--- a/documents/SlidebaocaoOOT.pptx
+++ b/documents/SlidebaocaoOOT.pptx
@@ -139,7 +139,7 @@
   </p:defaultTextStyle>
   <p:extLst>
     <p:ext uri="{EFAFB233-063F-42B5-8137-9DF3F51BA10A}">
-      <p15:sldGuideLst xmlns="" xmlns:p15="http://schemas.microsoft.com/office/powerpoint/2012/main">
+      <p15:sldGuideLst xmlns:p15="http://schemas.microsoft.com/office/powerpoint/2012/main" xmlns="">
         <p15:guide id="1" orient="horz" pos="2160" userDrawn="1">
           <p15:clr>
             <a:srgbClr val="A4A3A4"/>
@@ -381,7 +381,7 @@
             <a:fld id="{1E700B27-DE4C-4B9E-BB11-B9027034A00F}" type="datetimeFigureOut">
               <a:rPr lang="en-US" smtClean="0"/>
               <a:pPr/>
-              <a:t>5/18/2014</a:t>
+              <a:t>5/19/2014</a:t>
             </a:fld>
             <a:endParaRPr lang="en-US" dirty="0"/>
           </a:p>
@@ -438,7 +438,7 @@
     </p:spTree>
     <p:extLst>
       <p:ext uri="{BB962C8B-B14F-4D97-AF65-F5344CB8AC3E}">
-        <p14:creationId xmlns="" xmlns:p14="http://schemas.microsoft.com/office/powerpoint/2010/main" val="2987922983"/>
+        <p14:creationId xmlns:p14="http://schemas.microsoft.com/office/powerpoint/2010/main" xmlns="" val="2987922983"/>
       </p:ext>
     </p:extLst>
   </p:cSld>
@@ -558,7 +558,7 @@
             <a:fld id="{80DBE609-F3F2-45E6-BD6A-E03A8C86C1AE}" type="datetimeFigureOut">
               <a:rPr lang="en-US" smtClean="0"/>
               <a:pPr/>
-              <a:t>5/18/2014</a:t>
+              <a:t>5/19/2014</a:t>
             </a:fld>
             <a:endParaRPr lang="en-US" dirty="0"/>
           </a:p>
@@ -615,7 +615,7 @@
     </p:spTree>
     <p:extLst>
       <p:ext uri="{BB962C8B-B14F-4D97-AF65-F5344CB8AC3E}">
-        <p14:creationId xmlns="" xmlns:p14="http://schemas.microsoft.com/office/powerpoint/2010/main" val="1627858553"/>
+        <p14:creationId xmlns:p14="http://schemas.microsoft.com/office/powerpoint/2010/main" xmlns="" val="1627858553"/>
       </p:ext>
     </p:extLst>
   </p:cSld>
@@ -745,7 +745,7 @@
             <a:fld id="{7A24AD68-089C-4467-A8F3-EA2BBCA6B44E}" type="datetimeFigureOut">
               <a:rPr lang="en-US" smtClean="0"/>
               <a:pPr/>
-              <a:t>5/18/2014</a:t>
+              <a:t>5/19/2014</a:t>
             </a:fld>
             <a:endParaRPr lang="en-US" dirty="0"/>
           </a:p>
@@ -802,7 +802,7 @@
     </p:spTree>
     <p:extLst>
       <p:ext uri="{BB962C8B-B14F-4D97-AF65-F5344CB8AC3E}">
-        <p14:creationId xmlns="" xmlns:p14="http://schemas.microsoft.com/office/powerpoint/2010/main" val="2723868553"/>
+        <p14:creationId xmlns:p14="http://schemas.microsoft.com/office/powerpoint/2010/main" xmlns="" val="2723868553"/>
       </p:ext>
     </p:extLst>
   </p:cSld>
@@ -922,7 +922,7 @@
             <a:fld id="{75C51FCE-E4BB-4680-8E50-3C0E348D2609}" type="datetimeFigureOut">
               <a:rPr lang="en-US" smtClean="0"/>
               <a:pPr/>
-              <a:t>5/18/2014</a:t>
+              <a:t>5/19/2014</a:t>
             </a:fld>
             <a:endParaRPr lang="en-US" dirty="0"/>
           </a:p>
@@ -979,7 +979,7 @@
     </p:spTree>
     <p:extLst>
       <p:ext uri="{BB962C8B-B14F-4D97-AF65-F5344CB8AC3E}">
-        <p14:creationId xmlns="" xmlns:p14="http://schemas.microsoft.com/office/powerpoint/2010/main" val="1545566753"/>
+        <p14:creationId xmlns:p14="http://schemas.microsoft.com/office/powerpoint/2010/main" xmlns="" val="1545566753"/>
       </p:ext>
     </p:extLst>
   </p:cSld>
@@ -1187,7 +1187,7 @@
             <a:fld id="{8AAA073D-A903-47F8-8D16-77642FB0DF1F}" type="datetimeFigureOut">
               <a:rPr lang="en-US" smtClean="0"/>
               <a:pPr/>
-              <a:t>5/18/2014</a:t>
+              <a:t>5/19/2014</a:t>
             </a:fld>
             <a:endParaRPr lang="en-US" dirty="0"/>
           </a:p>
@@ -1244,7 +1244,7 @@
     </p:spTree>
     <p:extLst>
       <p:ext uri="{BB962C8B-B14F-4D97-AF65-F5344CB8AC3E}">
-        <p14:creationId xmlns="" xmlns:p14="http://schemas.microsoft.com/office/powerpoint/2010/main" val="2434193536"/>
+        <p14:creationId xmlns:p14="http://schemas.microsoft.com/office/powerpoint/2010/main" xmlns="" val="2434193536"/>
       </p:ext>
     </p:extLst>
   </p:cSld>
@@ -1482,7 +1482,7 @@
             <a:fld id="{AB91FA40-626B-4CA1-85D0-7A9016E395BA}" type="datetimeFigureOut">
               <a:rPr lang="en-US" smtClean="0"/>
               <a:pPr/>
-              <a:t>5/18/2014</a:t>
+              <a:t>5/19/2014</a:t>
             </a:fld>
             <a:endParaRPr lang="en-US" dirty="0"/>
           </a:p>
@@ -1539,7 +1539,7 @@
     </p:spTree>
     <p:extLst>
       <p:ext uri="{BB962C8B-B14F-4D97-AF65-F5344CB8AC3E}">
-        <p14:creationId xmlns="" xmlns:p14="http://schemas.microsoft.com/office/powerpoint/2010/main" val="230640737"/>
+        <p14:creationId xmlns:p14="http://schemas.microsoft.com/office/powerpoint/2010/main" xmlns="" val="230640737"/>
       </p:ext>
     </p:extLst>
   </p:cSld>
@@ -1931,7 +1931,7 @@
             <a:fld id="{C3F425EA-B9DC-48A7-991E-9A82573B1B21}" type="datetimeFigureOut">
               <a:rPr lang="en-US" smtClean="0"/>
               <a:pPr/>
-              <a:t>5/18/2014</a:t>
+              <a:t>5/19/2014</a:t>
             </a:fld>
             <a:endParaRPr lang="en-US" dirty="0"/>
           </a:p>
@@ -1988,7 +1988,7 @@
     </p:spTree>
     <p:extLst>
       <p:ext uri="{BB962C8B-B14F-4D97-AF65-F5344CB8AC3E}">
-        <p14:creationId xmlns="" xmlns:p14="http://schemas.microsoft.com/office/powerpoint/2010/main" val="3281019919"/>
+        <p14:creationId xmlns:p14="http://schemas.microsoft.com/office/powerpoint/2010/main" xmlns="" val="3281019919"/>
       </p:ext>
     </p:extLst>
   </p:cSld>
@@ -2056,7 +2056,7 @@
             <a:fld id="{66CB97F8-6CEB-469B-AFCC-889F2A2B1D5A}" type="datetimeFigureOut">
               <a:rPr lang="en-US" smtClean="0"/>
               <a:pPr/>
-              <a:t>5/18/2014</a:t>
+              <a:t>5/19/2014</a:t>
             </a:fld>
             <a:endParaRPr lang="en-US" dirty="0"/>
           </a:p>
@@ -2113,7 +2113,7 @@
     </p:spTree>
     <p:extLst>
       <p:ext uri="{BB962C8B-B14F-4D97-AF65-F5344CB8AC3E}">
-        <p14:creationId xmlns="" xmlns:p14="http://schemas.microsoft.com/office/powerpoint/2010/main" val="1464134367"/>
+        <p14:creationId xmlns:p14="http://schemas.microsoft.com/office/powerpoint/2010/main" xmlns="" val="1464134367"/>
       </p:ext>
     </p:extLst>
   </p:cSld>
@@ -2158,7 +2158,7 @@
             <a:fld id="{8FA9179F-009E-4FA5-B091-7EBB82A185BD}" type="datetimeFigureOut">
               <a:rPr lang="en-US" smtClean="0"/>
               <a:pPr/>
-              <a:t>5/18/2014</a:t>
+              <a:t>5/19/2014</a:t>
             </a:fld>
             <a:endParaRPr lang="en-US" dirty="0"/>
           </a:p>
@@ -2215,7 +2215,7 @@
     </p:spTree>
     <p:extLst>
       <p:ext uri="{BB962C8B-B14F-4D97-AF65-F5344CB8AC3E}">
-        <p14:creationId xmlns="" xmlns:p14="http://schemas.microsoft.com/office/powerpoint/2010/main" val="612830735"/>
+        <p14:creationId xmlns:p14="http://schemas.microsoft.com/office/powerpoint/2010/main" xmlns="" val="612830735"/>
       </p:ext>
     </p:extLst>
   </p:cSld>
@@ -2453,7 +2453,7 @@
             <a:fld id="{8E665CEB-0076-4E37-B880-BCEA9784DE0A}" type="datetimeFigureOut">
               <a:rPr lang="en-US" smtClean="0"/>
               <a:pPr/>
-              <a:t>5/18/2014</a:t>
+              <a:t>5/19/2014</a:t>
             </a:fld>
             <a:endParaRPr lang="en-US" dirty="0"/>
           </a:p>
@@ -2510,7 +2510,7 @@
     </p:spTree>
     <p:extLst>
       <p:ext uri="{BB962C8B-B14F-4D97-AF65-F5344CB8AC3E}">
-        <p14:creationId xmlns="" xmlns:p14="http://schemas.microsoft.com/office/powerpoint/2010/main" val="381399920"/>
+        <p14:creationId xmlns:p14="http://schemas.microsoft.com/office/powerpoint/2010/main" xmlns="" val="381399920"/>
       </p:ext>
     </p:extLst>
   </p:cSld>
@@ -2733,7 +2733,7 @@
             <a:fld id="{A6149E5E-3896-4118-99A7-7B85668F1C5E}" type="datetimeFigureOut">
               <a:rPr lang="en-US" smtClean="0"/>
               <a:pPr/>
-              <a:t>5/18/2014</a:t>
+              <a:t>5/19/2014</a:t>
             </a:fld>
             <a:endParaRPr lang="en-US" dirty="0"/>
           </a:p>
@@ -2795,7 +2795,7 @@
     </p:spTree>
     <p:extLst>
       <p:ext uri="{BB962C8B-B14F-4D97-AF65-F5344CB8AC3E}">
-        <p14:creationId xmlns="" xmlns:p14="http://schemas.microsoft.com/office/powerpoint/2010/main" val="1720115687"/>
+        <p14:creationId xmlns:p14="http://schemas.microsoft.com/office/powerpoint/2010/main" xmlns="" val="1720115687"/>
       </p:ext>
     </p:extLst>
   </p:cSld>
@@ -3037,7 +3037,7 @@
             <a:fld id="{7E0D914D-B099-4142-A885-11F276715148}" type="datetimeFigureOut">
               <a:rPr lang="en-US" smtClean="0"/>
               <a:pPr/>
-              <a:t>5/18/2014</a:t>
+              <a:t>5/19/2014</a:t>
             </a:fld>
             <a:endParaRPr lang="en-US" dirty="0"/>
           </a:p>
@@ -3129,7 +3129,7 @@
     </p:spTree>
     <p:extLst>
       <p:ext uri="{BB962C8B-B14F-4D97-AF65-F5344CB8AC3E}">
-        <p14:creationId xmlns="" xmlns:p14="http://schemas.microsoft.com/office/powerpoint/2010/main" val="3224645324"/>
+        <p14:creationId xmlns:p14="http://schemas.microsoft.com/office/powerpoint/2010/main" xmlns="" val="3224645324"/>
       </p:ext>
     </p:extLst>
   </p:cSld>
@@ -4001,7 +4001,7 @@
     </p:spTree>
     <p:extLst>
       <p:ext uri="{BB962C8B-B14F-4D97-AF65-F5344CB8AC3E}">
-        <p14:creationId xmlns="" xmlns:p14="http://schemas.microsoft.com/office/powerpoint/2010/main" val="1550865224"/>
+        <p14:creationId xmlns:p14="http://schemas.microsoft.com/office/powerpoint/2010/main" xmlns="" val="1550865224"/>
       </p:ext>
     </p:extLst>
   </p:cSld>
@@ -4085,7 +4085,7 @@
     </p:spTree>
     <p:extLst>
       <p:ext uri="{BB962C8B-B14F-4D97-AF65-F5344CB8AC3E}">
-        <p14:creationId xmlns="" xmlns:p14="http://schemas.microsoft.com/office/powerpoint/2010/main" val="2636827352"/>
+        <p14:creationId xmlns:p14="http://schemas.microsoft.com/office/powerpoint/2010/main" xmlns="" val="2636827352"/>
       </p:ext>
     </p:extLst>
   </p:cSld>
@@ -4312,7 +4312,7 @@
           <a:blip r:embed="rId2">
             <a:extLst>
               <a:ext uri="{28A0092B-C50C-407E-A947-70E740481C1C}">
-                <a14:useLocalDpi xmlns="" xmlns:a14="http://schemas.microsoft.com/office/drawing/2010/main" val="0"/>
+                <a14:useLocalDpi xmlns:a14="http://schemas.microsoft.com/office/drawing/2010/main" xmlns="" val="0"/>
               </a:ext>
             </a:extLst>
           </a:blip>
@@ -4335,14 +4335,14 @@
           </a:ln>
           <a:extLst>
             <a:ext uri="{909E8E84-426E-40DD-AFC4-6F175D3DCCD1}">
-              <a14:hiddenFill xmlns="" xmlns:a14="http://schemas.microsoft.com/office/drawing/2010/main">
+              <a14:hiddenFill xmlns:a14="http://schemas.microsoft.com/office/drawing/2010/main" xmlns="">
                 <a:solidFill>
                   <a:srgbClr val="FFFFFF"/>
                 </a:solidFill>
               </a14:hiddenFill>
             </a:ext>
             <a:ext uri="{91240B29-F687-4F45-9708-019B960494DF}">
-              <a14:hiddenLine xmlns="" xmlns:a14="http://schemas.microsoft.com/office/drawing/2010/main" w="9525">
+              <a14:hiddenLine xmlns:a14="http://schemas.microsoft.com/office/drawing/2010/main" xmlns="" w="9525">
                 <a:solidFill>
                   <a:srgbClr val="000000"/>
                 </a:solidFill>
@@ -4405,7 +4405,7 @@
     </p:spTree>
     <p:extLst>
       <p:ext uri="{BB962C8B-B14F-4D97-AF65-F5344CB8AC3E}">
-        <p14:creationId xmlns="" xmlns:p14="http://schemas.microsoft.com/office/powerpoint/2010/main" val="1175825706"/>
+        <p14:creationId xmlns:p14="http://schemas.microsoft.com/office/powerpoint/2010/main" xmlns="" val="1175825706"/>
       </p:ext>
     </p:extLst>
   </p:cSld>
@@ -4622,7 +4622,7 @@
           <a:blip r:embed="rId2">
             <a:extLst>
               <a:ext uri="{28A0092B-C50C-407E-A947-70E740481C1C}">
-                <a14:useLocalDpi xmlns="" xmlns:a14="http://schemas.microsoft.com/office/drawing/2010/main" val="0"/>
+                <a14:useLocalDpi xmlns:a14="http://schemas.microsoft.com/office/drawing/2010/main" xmlns="" val="0"/>
               </a:ext>
             </a:extLst>
           </a:blip>
@@ -4645,14 +4645,14 @@
           </a:ln>
           <a:extLst>
             <a:ext uri="{909E8E84-426E-40DD-AFC4-6F175D3DCCD1}">
-              <a14:hiddenFill xmlns="" xmlns:a14="http://schemas.microsoft.com/office/drawing/2010/main">
+              <a14:hiddenFill xmlns:a14="http://schemas.microsoft.com/office/drawing/2010/main" xmlns="">
                 <a:solidFill>
                   <a:srgbClr val="FFFFFF"/>
                 </a:solidFill>
               </a14:hiddenFill>
             </a:ext>
             <a:ext uri="{91240B29-F687-4F45-9708-019B960494DF}">
-              <a14:hiddenLine xmlns="" xmlns:a14="http://schemas.microsoft.com/office/drawing/2010/main" w="9525">
+              <a14:hiddenLine xmlns:a14="http://schemas.microsoft.com/office/drawing/2010/main" xmlns="" w="9525">
                 <a:solidFill>
                   <a:srgbClr val="000000"/>
                 </a:solidFill>
@@ -4715,7 +4715,7 @@
     </p:spTree>
     <p:extLst>
       <p:ext uri="{BB962C8B-B14F-4D97-AF65-F5344CB8AC3E}">
-        <p14:creationId xmlns="" xmlns:p14="http://schemas.microsoft.com/office/powerpoint/2010/main" val="71965626"/>
+        <p14:creationId xmlns:p14="http://schemas.microsoft.com/office/powerpoint/2010/main" xmlns="" val="71965626"/>
       </p:ext>
     </p:extLst>
   </p:cSld>
@@ -4932,7 +4932,7 @@
           <a:blip r:embed="rId2">
             <a:extLst>
               <a:ext uri="{28A0092B-C50C-407E-A947-70E740481C1C}">
-                <a14:useLocalDpi xmlns="" xmlns:a14="http://schemas.microsoft.com/office/drawing/2010/main" val="0"/>
+                <a14:useLocalDpi xmlns:a14="http://schemas.microsoft.com/office/drawing/2010/main" xmlns="" val="0"/>
               </a:ext>
             </a:extLst>
           </a:blip>
@@ -4955,14 +4955,14 @@
           </a:ln>
           <a:extLst>
             <a:ext uri="{909E8E84-426E-40DD-AFC4-6F175D3DCCD1}">
-              <a14:hiddenFill xmlns="" xmlns:a14="http://schemas.microsoft.com/office/drawing/2010/main">
+              <a14:hiddenFill xmlns:a14="http://schemas.microsoft.com/office/drawing/2010/main" xmlns="">
                 <a:solidFill>
                   <a:srgbClr val="FFFFFF"/>
                 </a:solidFill>
               </a14:hiddenFill>
             </a:ext>
             <a:ext uri="{91240B29-F687-4F45-9708-019B960494DF}">
-              <a14:hiddenLine xmlns="" xmlns:a14="http://schemas.microsoft.com/office/drawing/2010/main" w="9525">
+              <a14:hiddenLine xmlns:a14="http://schemas.microsoft.com/office/drawing/2010/main" xmlns="" w="9525">
                 <a:solidFill>
                   <a:srgbClr val="000000"/>
                 </a:solidFill>
@@ -5025,7 +5025,7 @@
     </p:spTree>
     <p:extLst>
       <p:ext uri="{BB962C8B-B14F-4D97-AF65-F5344CB8AC3E}">
-        <p14:creationId xmlns="" xmlns:p14="http://schemas.microsoft.com/office/powerpoint/2010/main" val="3667237077"/>
+        <p14:creationId xmlns:p14="http://schemas.microsoft.com/office/powerpoint/2010/main" xmlns="" val="3667237077"/>
       </p:ext>
     </p:extLst>
   </p:cSld>
@@ -5187,7 +5187,7 @@
           <a:blip r:embed="rId2">
             <a:extLst>
               <a:ext uri="{28A0092B-C50C-407E-A947-70E740481C1C}">
-                <a14:useLocalDpi xmlns="" xmlns:a14="http://schemas.microsoft.com/office/drawing/2010/main" val="0"/>
+                <a14:useLocalDpi xmlns:a14="http://schemas.microsoft.com/office/drawing/2010/main" xmlns="" val="0"/>
               </a:ext>
             </a:extLst>
           </a:blip>
@@ -5210,14 +5210,14 @@
           </a:ln>
           <a:extLst>
             <a:ext uri="{909E8E84-426E-40DD-AFC4-6F175D3DCCD1}">
-              <a14:hiddenFill xmlns="" xmlns:a14="http://schemas.microsoft.com/office/drawing/2010/main">
+              <a14:hiddenFill xmlns:a14="http://schemas.microsoft.com/office/drawing/2010/main" xmlns="">
                 <a:solidFill>
                   <a:srgbClr val="FFFFFF"/>
                 </a:solidFill>
               </a14:hiddenFill>
             </a:ext>
             <a:ext uri="{91240B29-F687-4F45-9708-019B960494DF}">
-              <a14:hiddenLine xmlns="" xmlns:a14="http://schemas.microsoft.com/office/drawing/2010/main" w="9525">
+              <a14:hiddenLine xmlns:a14="http://schemas.microsoft.com/office/drawing/2010/main" xmlns="" w="9525">
                 <a:solidFill>
                   <a:srgbClr val="000000"/>
                 </a:solidFill>
@@ -5280,7 +5280,7 @@
     </p:spTree>
     <p:extLst>
       <p:ext uri="{BB962C8B-B14F-4D97-AF65-F5344CB8AC3E}">
-        <p14:creationId xmlns="" xmlns:p14="http://schemas.microsoft.com/office/powerpoint/2010/main" val="2237393711"/>
+        <p14:creationId xmlns:p14="http://schemas.microsoft.com/office/powerpoint/2010/main" xmlns="" val="2237393711"/>
       </p:ext>
     </p:extLst>
   </p:cSld>
@@ -5452,7 +5452,7 @@
           <a:blip r:embed="rId2">
             <a:extLst>
               <a:ext uri="{28A0092B-C50C-407E-A947-70E740481C1C}">
-                <a14:useLocalDpi xmlns="" xmlns:a14="http://schemas.microsoft.com/office/drawing/2010/main" val="0"/>
+                <a14:useLocalDpi xmlns:a14="http://schemas.microsoft.com/office/drawing/2010/main" xmlns="" val="0"/>
               </a:ext>
             </a:extLst>
           </a:blip>
@@ -5475,14 +5475,14 @@
           </a:ln>
           <a:extLst>
             <a:ext uri="{909E8E84-426E-40DD-AFC4-6F175D3DCCD1}">
-              <a14:hiddenFill xmlns="" xmlns:a14="http://schemas.microsoft.com/office/drawing/2010/main">
+              <a14:hiddenFill xmlns:a14="http://schemas.microsoft.com/office/drawing/2010/main" xmlns="">
                 <a:solidFill>
                   <a:srgbClr val="FFFFFF"/>
                 </a:solidFill>
               </a14:hiddenFill>
             </a:ext>
             <a:ext uri="{91240B29-F687-4F45-9708-019B960494DF}">
-              <a14:hiddenLine xmlns="" xmlns:a14="http://schemas.microsoft.com/office/drawing/2010/main" w="9525">
+              <a14:hiddenLine xmlns:a14="http://schemas.microsoft.com/office/drawing/2010/main" xmlns="" w="9525">
                 <a:solidFill>
                   <a:srgbClr val="000000"/>
                 </a:solidFill>
@@ -5545,7 +5545,7 @@
     </p:spTree>
     <p:extLst>
       <p:ext uri="{BB962C8B-B14F-4D97-AF65-F5344CB8AC3E}">
-        <p14:creationId xmlns="" xmlns:p14="http://schemas.microsoft.com/office/powerpoint/2010/main" val="1772562027"/>
+        <p14:creationId xmlns:p14="http://schemas.microsoft.com/office/powerpoint/2010/main" xmlns="" val="1772562027"/>
       </p:ext>
     </p:extLst>
   </p:cSld>
@@ -5714,7 +5714,7 @@
           <a:blip r:embed="rId2">
             <a:extLst>
               <a:ext uri="{28A0092B-C50C-407E-A947-70E740481C1C}">
-                <a14:useLocalDpi xmlns="" xmlns:a14="http://schemas.microsoft.com/office/drawing/2010/main" val="0"/>
+                <a14:useLocalDpi xmlns:a14="http://schemas.microsoft.com/office/drawing/2010/main" xmlns="" val="0"/>
               </a:ext>
             </a:extLst>
           </a:blip>
@@ -5737,14 +5737,14 @@
           </a:ln>
           <a:extLst>
             <a:ext uri="{909E8E84-426E-40DD-AFC4-6F175D3DCCD1}">
-              <a14:hiddenFill xmlns="" xmlns:a14="http://schemas.microsoft.com/office/drawing/2010/main">
+              <a14:hiddenFill xmlns:a14="http://schemas.microsoft.com/office/drawing/2010/main" xmlns="">
                 <a:solidFill>
                   <a:srgbClr val="FFFFFF"/>
                 </a:solidFill>
               </a14:hiddenFill>
             </a:ext>
             <a:ext uri="{91240B29-F687-4F45-9708-019B960494DF}">
-              <a14:hiddenLine xmlns="" xmlns:a14="http://schemas.microsoft.com/office/drawing/2010/main" w="9525">
+              <a14:hiddenLine xmlns:a14="http://schemas.microsoft.com/office/drawing/2010/main" xmlns="" w="9525">
                 <a:solidFill>
                   <a:srgbClr val="000000"/>
                 </a:solidFill>
@@ -5807,7 +5807,7 @@
     </p:spTree>
     <p:extLst>
       <p:ext uri="{BB962C8B-B14F-4D97-AF65-F5344CB8AC3E}">
-        <p14:creationId xmlns="" xmlns:p14="http://schemas.microsoft.com/office/powerpoint/2010/main" val="1841397424"/>
+        <p14:creationId xmlns:p14="http://schemas.microsoft.com/office/powerpoint/2010/main" xmlns="" val="1841397424"/>
       </p:ext>
     </p:extLst>
   </p:cSld>
@@ -5976,7 +5976,7 @@
           <a:blip r:embed="rId2">
             <a:extLst>
               <a:ext uri="{28A0092B-C50C-407E-A947-70E740481C1C}">
-                <a14:useLocalDpi xmlns="" xmlns:a14="http://schemas.microsoft.com/office/drawing/2010/main" val="0"/>
+                <a14:useLocalDpi xmlns:a14="http://schemas.microsoft.com/office/drawing/2010/main" xmlns="" val="0"/>
               </a:ext>
             </a:extLst>
           </a:blip>
@@ -5999,14 +5999,14 @@
           </a:ln>
           <a:extLst>
             <a:ext uri="{909E8E84-426E-40DD-AFC4-6F175D3DCCD1}">
-              <a14:hiddenFill xmlns="" xmlns:a14="http://schemas.microsoft.com/office/drawing/2010/main">
+              <a14:hiddenFill xmlns:a14="http://schemas.microsoft.com/office/drawing/2010/main" xmlns="">
                 <a:solidFill>
                   <a:srgbClr val="FFFFFF"/>
                 </a:solidFill>
               </a14:hiddenFill>
             </a:ext>
             <a:ext uri="{91240B29-F687-4F45-9708-019B960494DF}">
-              <a14:hiddenLine xmlns="" xmlns:a14="http://schemas.microsoft.com/office/drawing/2010/main" w="9525">
+              <a14:hiddenLine xmlns:a14="http://schemas.microsoft.com/office/drawing/2010/main" xmlns="" w="9525">
                 <a:solidFill>
                   <a:srgbClr val="000000"/>
                 </a:solidFill>
@@ -6069,7 +6069,7 @@
     </p:spTree>
     <p:extLst>
       <p:ext uri="{BB962C8B-B14F-4D97-AF65-F5344CB8AC3E}">
-        <p14:creationId xmlns="" xmlns:p14="http://schemas.microsoft.com/office/powerpoint/2010/main" val="42986015"/>
+        <p14:creationId xmlns:p14="http://schemas.microsoft.com/office/powerpoint/2010/main" xmlns="" val="42986015"/>
       </p:ext>
     </p:extLst>
   </p:cSld>
@@ -6176,7 +6176,7 @@
     </p:spTree>
     <p:extLst>
       <p:ext uri="{BB962C8B-B14F-4D97-AF65-F5344CB8AC3E}">
-        <p14:creationId xmlns="" xmlns:p14="http://schemas.microsoft.com/office/powerpoint/2010/main" val="4253118845"/>
+        <p14:creationId xmlns:p14="http://schemas.microsoft.com/office/powerpoint/2010/main" xmlns="" val="4253118845"/>
       </p:ext>
     </p:extLst>
   </p:cSld>
@@ -6385,7 +6385,7 @@
           <a:blip r:embed="rId2">
             <a:extLst>
               <a:ext uri="{28A0092B-C50C-407E-A947-70E740481C1C}">
-                <a14:useLocalDpi xmlns="" xmlns:a14="http://schemas.microsoft.com/office/drawing/2010/main" val="0"/>
+                <a14:useLocalDpi xmlns:a14="http://schemas.microsoft.com/office/drawing/2010/main" xmlns="" val="0"/>
               </a:ext>
             </a:extLst>
           </a:blip>
@@ -6408,14 +6408,14 @@
           </a:ln>
           <a:extLst>
             <a:ext uri="{909E8E84-426E-40DD-AFC4-6F175D3DCCD1}">
-              <a14:hiddenFill xmlns="" xmlns:a14="http://schemas.microsoft.com/office/drawing/2010/main">
+              <a14:hiddenFill xmlns:a14="http://schemas.microsoft.com/office/drawing/2010/main" xmlns="">
                 <a:solidFill>
                   <a:srgbClr val="FFFFFF"/>
                 </a:solidFill>
               </a14:hiddenFill>
             </a:ext>
             <a:ext uri="{91240B29-F687-4F45-9708-019B960494DF}">
-              <a14:hiddenLine xmlns="" xmlns:a14="http://schemas.microsoft.com/office/drawing/2010/main" w="9525">
+              <a14:hiddenLine xmlns:a14="http://schemas.microsoft.com/office/drawing/2010/main" xmlns="" w="9525">
                 <a:solidFill>
                   <a:srgbClr val="000000"/>
                 </a:solidFill>
@@ -6430,7 +6430,7 @@
     </p:spTree>
     <p:extLst>
       <p:ext uri="{BB962C8B-B14F-4D97-AF65-F5344CB8AC3E}">
-        <p14:creationId xmlns="" xmlns:p14="http://schemas.microsoft.com/office/powerpoint/2010/main" val="2373842933"/>
+        <p14:creationId xmlns:p14="http://schemas.microsoft.com/office/powerpoint/2010/main" xmlns="" val="2373842933"/>
       </p:ext>
     </p:extLst>
   </p:cSld>
@@ -6529,7 +6529,7 @@
     </p:spTree>
     <p:extLst>
       <p:ext uri="{BB962C8B-B14F-4D97-AF65-F5344CB8AC3E}">
-        <p14:creationId xmlns="" xmlns:p14="http://schemas.microsoft.com/office/powerpoint/2010/main" val="2076096429"/>
+        <p14:creationId xmlns:p14="http://schemas.microsoft.com/office/powerpoint/2010/main" xmlns="" val="2076096429"/>
       </p:ext>
     </p:extLst>
   </p:cSld>
@@ -6734,7 +6734,7 @@
           <a:blip r:embed="rId2">
             <a:extLst>
               <a:ext uri="{28A0092B-C50C-407E-A947-70E740481C1C}">
-                <a14:useLocalDpi xmlns="" xmlns:a14="http://schemas.microsoft.com/office/drawing/2010/main" val="0"/>
+                <a14:useLocalDpi xmlns:a14="http://schemas.microsoft.com/office/drawing/2010/main" xmlns="" val="0"/>
               </a:ext>
             </a:extLst>
           </a:blip>
@@ -6757,14 +6757,14 @@
           </a:ln>
           <a:extLst>
             <a:ext uri="{909E8E84-426E-40DD-AFC4-6F175D3DCCD1}">
-              <a14:hiddenFill xmlns="" xmlns:a14="http://schemas.microsoft.com/office/drawing/2010/main">
+              <a14:hiddenFill xmlns:a14="http://schemas.microsoft.com/office/drawing/2010/main" xmlns="">
                 <a:solidFill>
                   <a:srgbClr val="FFFFFF"/>
                 </a:solidFill>
               </a14:hiddenFill>
             </a:ext>
             <a:ext uri="{91240B29-F687-4F45-9708-019B960494DF}">
-              <a14:hiddenLine xmlns="" xmlns:a14="http://schemas.microsoft.com/office/drawing/2010/main" w="9525">
+              <a14:hiddenLine xmlns:a14="http://schemas.microsoft.com/office/drawing/2010/main" xmlns="" w="9525">
                 <a:solidFill>
                   <a:srgbClr val="000000"/>
                 </a:solidFill>
@@ -6827,7 +6827,7 @@
     </p:spTree>
     <p:extLst>
       <p:ext uri="{BB962C8B-B14F-4D97-AF65-F5344CB8AC3E}">
-        <p14:creationId xmlns="" xmlns:p14="http://schemas.microsoft.com/office/powerpoint/2010/main" val="3934736421"/>
+        <p14:creationId xmlns:p14="http://schemas.microsoft.com/office/powerpoint/2010/main" xmlns="" val="3934736421"/>
       </p:ext>
     </p:extLst>
   </p:cSld>
@@ -6978,7 +6978,7 @@
           <a:blip r:embed="rId2">
             <a:extLst>
               <a:ext uri="{28A0092B-C50C-407E-A947-70E740481C1C}">
-                <a14:useLocalDpi xmlns="" xmlns:a14="http://schemas.microsoft.com/office/drawing/2010/main" val="0"/>
+                <a14:useLocalDpi xmlns:a14="http://schemas.microsoft.com/office/drawing/2010/main" xmlns="" val="0"/>
               </a:ext>
             </a:extLst>
           </a:blip>
@@ -7001,14 +7001,14 @@
           </a:ln>
           <a:extLst>
             <a:ext uri="{909E8E84-426E-40DD-AFC4-6F175D3DCCD1}">
-              <a14:hiddenFill xmlns="" xmlns:a14="http://schemas.microsoft.com/office/drawing/2010/main">
+              <a14:hiddenFill xmlns:a14="http://schemas.microsoft.com/office/drawing/2010/main" xmlns="">
                 <a:solidFill>
                   <a:srgbClr val="FFFFFF"/>
                 </a:solidFill>
               </a14:hiddenFill>
             </a:ext>
             <a:ext uri="{91240B29-F687-4F45-9708-019B960494DF}">
-              <a14:hiddenLine xmlns="" xmlns:a14="http://schemas.microsoft.com/office/drawing/2010/main" w="9525">
+              <a14:hiddenLine xmlns:a14="http://schemas.microsoft.com/office/drawing/2010/main" xmlns="" w="9525">
                 <a:solidFill>
                   <a:srgbClr val="000000"/>
                 </a:solidFill>
@@ -7071,7 +7071,7 @@
     </p:spTree>
     <p:extLst>
       <p:ext uri="{BB962C8B-B14F-4D97-AF65-F5344CB8AC3E}">
-        <p14:creationId xmlns="" xmlns:p14="http://schemas.microsoft.com/office/powerpoint/2010/main" val="4292269836"/>
+        <p14:creationId xmlns:p14="http://schemas.microsoft.com/office/powerpoint/2010/main" xmlns="" val="4292269836"/>
       </p:ext>
     </p:extLst>
   </p:cSld>
@@ -7185,7 +7185,7 @@
     </p:spTree>
     <p:extLst>
       <p:ext uri="{BB962C8B-B14F-4D97-AF65-F5344CB8AC3E}">
-        <p14:creationId xmlns="" xmlns:p14="http://schemas.microsoft.com/office/powerpoint/2010/main" val="1192655769"/>
+        <p14:creationId xmlns:p14="http://schemas.microsoft.com/office/powerpoint/2010/main" xmlns="" val="1192655769"/>
       </p:ext>
     </p:extLst>
   </p:cSld>
@@ -7349,16 +7349,7 @@
                 </a:solidFill>
                 <a:ea typeface="ＭＳ Ｐゴシック" panose="020B0600070205080204" pitchFamily="34" charset="-128"/>
               </a:rPr>
-              <a:t> </a:t>
-            </a:r>
-            <a:r>
-              <a:rPr lang="en-US" sz="3600" smtClean="0">
-                <a:solidFill>
-                  <a:srgbClr val="002060"/>
-                </a:solidFill>
-                <a:ea typeface="ＭＳ Ｐゴシック" panose="020B0600070205080204" pitchFamily="34" charset="-128"/>
-              </a:rPr>
-              <a:t>JavaSE 8</a:t>
+              <a:t> JavaSE 8</a:t>
             </a:r>
           </a:p>
           <a:p>
@@ -7374,16 +7365,7 @@
                 </a:solidFill>
                 <a:ea typeface="ＭＳ Ｐゴシック" panose="020B0600070205080204" pitchFamily="34" charset="-128"/>
               </a:rPr>
-              <a:t> </a:t>
-            </a:r>
-            <a:r>
-              <a:rPr lang="en-US" sz="3600" smtClean="0">
-                <a:solidFill>
-                  <a:srgbClr val="002060"/>
-                </a:solidFill>
-                <a:ea typeface="ＭＳ Ｐゴシック" panose="020B0600070205080204" pitchFamily="34" charset="-128"/>
-              </a:rPr>
-              <a:t>JavaFX</a:t>
+              <a:t> JavaFX</a:t>
             </a:r>
           </a:p>
           <a:p>
@@ -7399,34 +7381,7 @@
                 </a:solidFill>
                 <a:ea typeface="ＭＳ Ｐゴシック" panose="020B0600070205080204" pitchFamily="34" charset="-128"/>
               </a:rPr>
-              <a:t> Apache </a:t>
-            </a:r>
-            <a:r>
-              <a:rPr lang="en-US" sz="3600" smtClean="0">
-                <a:solidFill>
-                  <a:srgbClr val="002060"/>
-                </a:solidFill>
-                <a:ea typeface="ＭＳ Ｐゴシック" panose="020B0600070205080204" pitchFamily="34" charset="-128"/>
-              </a:rPr>
-              <a:t>Commons </a:t>
-            </a:r>
-            <a:r>
-              <a:rPr lang="en-US" sz="3600" smtClean="0">
-                <a:solidFill>
-                  <a:srgbClr val="002060"/>
-                </a:solidFill>
-                <a:ea typeface="ＭＳ Ｐゴシック" panose="020B0600070205080204" pitchFamily="34" charset="-128"/>
-              </a:rPr>
-              <a:t>Lang </a:t>
-            </a:r>
-            <a:r>
-              <a:rPr lang="en-US" sz="3600" smtClean="0">
-                <a:solidFill>
-                  <a:srgbClr val="002060"/>
-                </a:solidFill>
-                <a:ea typeface="ＭＳ Ｐゴシック" panose="020B0600070205080204" pitchFamily="34" charset="-128"/>
-              </a:rPr>
-              <a:t>3</a:t>
+              <a:t> Apache Commons Lang 3</a:t>
             </a:r>
           </a:p>
           <a:p>
@@ -7474,16 +7429,7 @@
                 </a:solidFill>
                 <a:ea typeface="ＭＳ Ｐゴシック" panose="020B0600070205080204" pitchFamily="34" charset="-128"/>
               </a:rPr>
-              <a:t> </a:t>
-            </a:r>
-            <a:r>
-              <a:rPr lang="en-US" sz="3600" smtClean="0">
-                <a:solidFill>
-                  <a:srgbClr val="002060"/>
-                </a:solidFill>
-                <a:ea typeface="ＭＳ Ｐゴシック" panose="020B0600070205080204" pitchFamily="34" charset="-128"/>
-              </a:rPr>
-              <a:t>ControlFX</a:t>
+              <a:t> ControlFX</a:t>
             </a:r>
           </a:p>
           <a:p>
@@ -7499,16 +7445,7 @@
                 </a:solidFill>
                 <a:ea typeface="ＭＳ Ｐゴシック" panose="020B0600070205080204" pitchFamily="34" charset="-128"/>
               </a:rPr>
-              <a:t> </a:t>
-            </a:r>
-            <a:r>
-              <a:rPr lang="en-US" sz="3600" smtClean="0">
-                <a:solidFill>
-                  <a:srgbClr val="002060"/>
-                </a:solidFill>
-                <a:ea typeface="ＭＳ Ｐゴシック" panose="020B0600070205080204" pitchFamily="34" charset="-128"/>
-              </a:rPr>
-              <a:t>InsideFX</a:t>
+              <a:t> InsideFX</a:t>
             </a:r>
             <a:endParaRPr lang="en-US" sz="3600" dirty="0">
               <a:solidFill>
@@ -7522,7 +7459,7 @@
     </p:spTree>
     <p:extLst>
       <p:ext uri="{BB962C8B-B14F-4D97-AF65-F5344CB8AC3E}">
-        <p14:creationId xmlns="" xmlns:p14="http://schemas.microsoft.com/office/powerpoint/2010/main" val="2986224356"/>
+        <p14:creationId xmlns:p14="http://schemas.microsoft.com/office/powerpoint/2010/main" xmlns="" val="2986224356"/>
       </p:ext>
     </p:extLst>
   </p:cSld>
@@ -7686,12 +7623,6 @@
               </a:rPr>
               <a:t>Các tiêu chí thiết kế:</a:t>
             </a:r>
-            <a:endParaRPr lang="vi-VN" sz="3600" smtClean="0">
-              <a:solidFill>
-                <a:srgbClr val="002060"/>
-              </a:solidFill>
-              <a:ea typeface="ＭＳ Ｐゴシック" panose="020B0600070205080204" pitchFamily="34" charset="-128"/>
-            </a:endParaRPr>
           </a:p>
           <a:p>
             <a:pPr marL="109538">
@@ -7706,16 +7637,7 @@
                 </a:solidFill>
                 <a:ea typeface="ＭＳ Ｐゴシック" panose="020B0600070205080204" pitchFamily="34" charset="-128"/>
               </a:rPr>
-              <a:t>	</a:t>
-            </a:r>
-            <a:r>
-              <a:rPr lang="vi-VN" sz="3600" smtClean="0">
-                <a:solidFill>
-                  <a:srgbClr val="002060"/>
-                </a:solidFill>
-                <a:ea typeface="ＭＳ Ｐゴシック" panose="020B0600070205080204" pitchFamily="34" charset="-128"/>
-              </a:rPr>
-              <a:t>Dễ kiểm thử</a:t>
+              <a:t>	Dễ kiểm thử</a:t>
             </a:r>
           </a:p>
           <a:p>
@@ -7731,16 +7653,7 @@
                 </a:solidFill>
                 <a:ea typeface="ＭＳ Ｐゴシック" panose="020B0600070205080204" pitchFamily="34" charset="-128"/>
               </a:rPr>
-              <a:t>	</a:t>
-            </a:r>
-            <a:r>
-              <a:rPr lang="vi-VN" sz="3600" smtClean="0">
-                <a:solidFill>
-                  <a:srgbClr val="002060"/>
-                </a:solidFill>
-                <a:ea typeface="ＭＳ Ｐゴシック" panose="020B0600070205080204" pitchFamily="34" charset="-128"/>
-              </a:rPr>
-              <a:t>Dễ tái sử dụng</a:t>
+              <a:t>	Dễ tái sử dụng</a:t>
             </a:r>
           </a:p>
           <a:p>
@@ -7756,16 +7669,7 @@
                 </a:solidFill>
                 <a:ea typeface="ＭＳ Ｐゴシック" panose="020B0600070205080204" pitchFamily="34" charset="-128"/>
               </a:rPr>
-              <a:t>	</a:t>
-            </a:r>
-            <a:r>
-              <a:rPr lang="vi-VN" sz="3600" smtClean="0">
-                <a:solidFill>
-                  <a:srgbClr val="002060"/>
-                </a:solidFill>
-                <a:ea typeface="ＭＳ Ｐゴシック" panose="020B0600070205080204" pitchFamily="34" charset="-128"/>
-              </a:rPr>
-              <a:t>Dễ dàng nâng cấp, thay đổi chương trình</a:t>
+              <a:t>	Dễ dàng nâng cấp, thay đổi chương trình</a:t>
             </a:r>
           </a:p>
         </p:txBody>
@@ -7773,7 +7677,7 @@
     </p:spTree>
     <p:extLst>
       <p:ext uri="{BB962C8B-B14F-4D97-AF65-F5344CB8AC3E}">
-        <p14:creationId xmlns="" xmlns:p14="http://schemas.microsoft.com/office/powerpoint/2010/main" val="2986224356"/>
+        <p14:creationId xmlns:p14="http://schemas.microsoft.com/office/powerpoint/2010/main" xmlns="" val="2986224356"/>
       </p:ext>
     </p:extLst>
   </p:cSld>
@@ -8070,16 +7974,7 @@
                 </a:solidFill>
                 <a:ea typeface="ＭＳ Ｐゴシック" panose="020B0600070205080204" pitchFamily="34" charset="-128"/>
               </a:rPr>
-              <a:t> </a:t>
-            </a:r>
-            <a:r>
-              <a:rPr lang="en-US" sz="2400" i="1" smtClean="0">
-                <a:solidFill>
-                  <a:srgbClr val="002060"/>
-                </a:solidFill>
-                <a:ea typeface="ＭＳ Ｐゴシック" panose="020B0600070205080204" pitchFamily="34" charset="-128"/>
-              </a:rPr>
-              <a:t>MVP</a:t>
+              <a:t> MVP</a:t>
             </a:r>
             <a:endParaRPr lang="en-US" sz="2400" i="1" dirty="0">
               <a:solidFill>
@@ -8102,7 +7997,7 @@
           <a:blip r:embed="rId2">
             <a:extLst>
               <a:ext uri="{28A0092B-C50C-407E-A947-70E740481C1C}">
-                <a14:useLocalDpi xmlns="" xmlns:a14="http://schemas.microsoft.com/office/drawing/2010/main" val="0"/>
+                <a14:useLocalDpi xmlns:a14="http://schemas.microsoft.com/office/drawing/2010/main" xmlns="" val="0"/>
               </a:ext>
             </a:extLst>
           </a:blip>
@@ -8125,14 +8020,14 @@
           </a:ln>
           <a:extLst>
             <a:ext uri="{909E8E84-426E-40DD-AFC4-6F175D3DCCD1}">
-              <a14:hiddenFill xmlns="" xmlns:a14="http://schemas.microsoft.com/office/drawing/2010/main">
+              <a14:hiddenFill xmlns:a14="http://schemas.microsoft.com/office/drawing/2010/main" xmlns="">
                 <a:solidFill>
                   <a:srgbClr val="FFFFFF"/>
                 </a:solidFill>
               </a14:hiddenFill>
             </a:ext>
             <a:ext uri="{91240B29-F687-4F45-9708-019B960494DF}">
-              <a14:hiddenLine xmlns="" xmlns:a14="http://schemas.microsoft.com/office/drawing/2010/main" w="9525">
+              <a14:hiddenLine xmlns:a14="http://schemas.microsoft.com/office/drawing/2010/main" xmlns="" w="9525">
                 <a:solidFill>
                   <a:srgbClr val="000000"/>
                 </a:solidFill>
@@ -8147,7 +8042,7 @@
     </p:spTree>
     <p:extLst>
       <p:ext uri="{BB962C8B-B14F-4D97-AF65-F5344CB8AC3E}">
-        <p14:creationId xmlns="" xmlns:p14="http://schemas.microsoft.com/office/powerpoint/2010/main" val="2986224356"/>
+        <p14:creationId xmlns:p14="http://schemas.microsoft.com/office/powerpoint/2010/main" xmlns="" val="2986224356"/>
       </p:ext>
     </p:extLst>
   </p:cSld>
@@ -8395,7 +8290,7 @@
           <a:blip r:embed="rId2">
             <a:extLst>
               <a:ext uri="{28A0092B-C50C-407E-A947-70E740481C1C}">
-                <a14:useLocalDpi xmlns="" xmlns:a14="http://schemas.microsoft.com/office/drawing/2010/main" val="0"/>
+                <a14:useLocalDpi xmlns:a14="http://schemas.microsoft.com/office/drawing/2010/main" xmlns="" val="0"/>
               </a:ext>
             </a:extLst>
           </a:blip>
@@ -8418,14 +8313,14 @@
           </a:ln>
           <a:extLst>
             <a:ext uri="{909E8E84-426E-40DD-AFC4-6F175D3DCCD1}">
-              <a14:hiddenFill xmlns="" xmlns:a14="http://schemas.microsoft.com/office/drawing/2010/main">
+              <a14:hiddenFill xmlns:a14="http://schemas.microsoft.com/office/drawing/2010/main" xmlns="">
                 <a:solidFill>
                   <a:srgbClr val="FFFFFF"/>
                 </a:solidFill>
               </a14:hiddenFill>
             </a:ext>
             <a:ext uri="{91240B29-F687-4F45-9708-019B960494DF}">
-              <a14:hiddenLine xmlns="" xmlns:a14="http://schemas.microsoft.com/office/drawing/2010/main" w="9525">
+              <a14:hiddenLine xmlns:a14="http://schemas.microsoft.com/office/drawing/2010/main" xmlns="" w="9525">
                 <a:solidFill>
                   <a:srgbClr val="000000"/>
                 </a:solidFill>
@@ -8488,7 +8383,7 @@
     </p:spTree>
     <p:extLst>
       <p:ext uri="{BB962C8B-B14F-4D97-AF65-F5344CB8AC3E}">
-        <p14:creationId xmlns="" xmlns:p14="http://schemas.microsoft.com/office/powerpoint/2010/main" val="4097345140"/>
+        <p14:creationId xmlns:p14="http://schemas.microsoft.com/office/powerpoint/2010/main" xmlns="" val="4097345140"/>
       </p:ext>
     </p:extLst>
   </p:cSld>
@@ -8744,7 +8639,7 @@
           <a:blip r:embed="rId2">
             <a:extLst>
               <a:ext uri="{28A0092B-C50C-407E-A947-70E740481C1C}">
-                <a14:useLocalDpi xmlns="" xmlns:a14="http://schemas.microsoft.com/office/drawing/2010/main" val="0"/>
+                <a14:useLocalDpi xmlns:a14="http://schemas.microsoft.com/office/drawing/2010/main" xmlns="" val="0"/>
               </a:ext>
             </a:extLst>
           </a:blip>
@@ -8767,14 +8662,14 @@
           </a:ln>
           <a:extLst>
             <a:ext uri="{909E8E84-426E-40DD-AFC4-6F175D3DCCD1}">
-              <a14:hiddenFill xmlns="" xmlns:a14="http://schemas.microsoft.com/office/drawing/2010/main">
+              <a14:hiddenFill xmlns:a14="http://schemas.microsoft.com/office/drawing/2010/main" xmlns="">
                 <a:solidFill>
                   <a:srgbClr val="FFFFFF"/>
                 </a:solidFill>
               </a14:hiddenFill>
             </a:ext>
             <a:ext uri="{91240B29-F687-4F45-9708-019B960494DF}">
-              <a14:hiddenLine xmlns="" xmlns:a14="http://schemas.microsoft.com/office/drawing/2010/main" w="9525">
+              <a14:hiddenLine xmlns:a14="http://schemas.microsoft.com/office/drawing/2010/main" xmlns="" w="9525">
                 <a:solidFill>
                   <a:srgbClr val="000000"/>
                 </a:solidFill>
@@ -8837,7 +8732,7 @@
     </p:spTree>
     <p:extLst>
       <p:ext uri="{BB962C8B-B14F-4D97-AF65-F5344CB8AC3E}">
-        <p14:creationId xmlns="" xmlns:p14="http://schemas.microsoft.com/office/powerpoint/2010/main" val="2391148404"/>
+        <p14:creationId xmlns:p14="http://schemas.microsoft.com/office/powerpoint/2010/main" xmlns="" val="2391148404"/>
       </p:ext>
     </p:extLst>
   </p:cSld>
@@ -9100,7 +8995,7 @@
           <a:blip r:embed="rId2">
             <a:extLst>
               <a:ext uri="{28A0092B-C50C-407E-A947-70E740481C1C}">
-                <a14:useLocalDpi xmlns="" xmlns:a14="http://schemas.microsoft.com/office/drawing/2010/main" val="0"/>
+                <a14:useLocalDpi xmlns:a14="http://schemas.microsoft.com/office/drawing/2010/main" xmlns="" val="0"/>
               </a:ext>
             </a:extLst>
           </a:blip>
@@ -9123,14 +9018,14 @@
           </a:ln>
           <a:extLst>
             <a:ext uri="{909E8E84-426E-40DD-AFC4-6F175D3DCCD1}">
-              <a14:hiddenFill xmlns="" xmlns:a14="http://schemas.microsoft.com/office/drawing/2010/main">
+              <a14:hiddenFill xmlns:a14="http://schemas.microsoft.com/office/drawing/2010/main" xmlns="">
                 <a:solidFill>
                   <a:srgbClr val="FFFFFF"/>
                 </a:solidFill>
               </a14:hiddenFill>
             </a:ext>
             <a:ext uri="{91240B29-F687-4F45-9708-019B960494DF}">
-              <a14:hiddenLine xmlns="" xmlns:a14="http://schemas.microsoft.com/office/drawing/2010/main" w="9525">
+              <a14:hiddenLine xmlns:a14="http://schemas.microsoft.com/office/drawing/2010/main" xmlns="" w="9525">
                 <a:solidFill>
                   <a:srgbClr val="000000"/>
                 </a:solidFill>
@@ -9193,7 +9088,7 @@
     </p:spTree>
     <p:extLst>
       <p:ext uri="{BB962C8B-B14F-4D97-AF65-F5344CB8AC3E}">
-        <p14:creationId xmlns="" xmlns:p14="http://schemas.microsoft.com/office/powerpoint/2010/main" val="31167603"/>
+        <p14:creationId xmlns:p14="http://schemas.microsoft.com/office/powerpoint/2010/main" xmlns="" val="31167603"/>
       </p:ext>
     </p:extLst>
   </p:cSld>
@@ -9429,7 +9324,7 @@
           <a:blip r:embed="rId2">
             <a:extLst>
               <a:ext uri="{28A0092B-C50C-407E-A947-70E740481C1C}">
-                <a14:useLocalDpi xmlns="" xmlns:a14="http://schemas.microsoft.com/office/drawing/2010/main" val="0"/>
+                <a14:useLocalDpi xmlns:a14="http://schemas.microsoft.com/office/drawing/2010/main" xmlns="" val="0"/>
               </a:ext>
             </a:extLst>
           </a:blip>
@@ -9452,14 +9347,14 @@
           </a:ln>
           <a:extLst>
             <a:ext uri="{909E8E84-426E-40DD-AFC4-6F175D3DCCD1}">
-              <a14:hiddenFill xmlns="" xmlns:a14="http://schemas.microsoft.com/office/drawing/2010/main">
+              <a14:hiddenFill xmlns:a14="http://schemas.microsoft.com/office/drawing/2010/main" xmlns="">
                 <a:solidFill>
                   <a:srgbClr val="FFFFFF"/>
                 </a:solidFill>
               </a14:hiddenFill>
             </a:ext>
             <a:ext uri="{91240B29-F687-4F45-9708-019B960494DF}">
-              <a14:hiddenLine xmlns="" xmlns:a14="http://schemas.microsoft.com/office/drawing/2010/main" w="9525">
+              <a14:hiddenLine xmlns:a14="http://schemas.microsoft.com/office/drawing/2010/main" xmlns="" w="9525">
                 <a:solidFill>
                   <a:srgbClr val="000000"/>
                 </a:solidFill>
@@ -9522,7 +9417,7 @@
     </p:spTree>
     <p:extLst>
       <p:ext uri="{BB962C8B-B14F-4D97-AF65-F5344CB8AC3E}">
-        <p14:creationId xmlns="" xmlns:p14="http://schemas.microsoft.com/office/powerpoint/2010/main" val="19112799"/>
+        <p14:creationId xmlns:p14="http://schemas.microsoft.com/office/powerpoint/2010/main" xmlns="" val="19112799"/>
       </p:ext>
     </p:extLst>
   </p:cSld>
@@ -10065,7 +9960,7 @@
     </p:spTree>
     <p:extLst>
       <p:ext uri="{BB962C8B-B14F-4D97-AF65-F5344CB8AC3E}">
-        <p14:creationId xmlns="" xmlns:p14="http://schemas.microsoft.com/office/powerpoint/2010/main" val="1244389148"/>
+        <p14:creationId xmlns:p14="http://schemas.microsoft.com/office/powerpoint/2010/main" xmlns="" val="1244389148"/>
       </p:ext>
     </p:extLst>
   </p:cSld>
@@ -10446,7 +10341,7 @@
           <a:blip r:embed="rId2">
             <a:extLst>
               <a:ext uri="{28A0092B-C50C-407E-A947-70E740481C1C}">
-                <a14:useLocalDpi xmlns="" xmlns:a14="http://schemas.microsoft.com/office/drawing/2010/main" val="0"/>
+                <a14:useLocalDpi xmlns:a14="http://schemas.microsoft.com/office/drawing/2010/main" xmlns="" val="0"/>
               </a:ext>
             </a:extLst>
           </a:blip>
@@ -10469,14 +10364,14 @@
           </a:ln>
           <a:extLst>
             <a:ext uri="{909E8E84-426E-40DD-AFC4-6F175D3DCCD1}">
-              <a14:hiddenFill xmlns="" xmlns:a14="http://schemas.microsoft.com/office/drawing/2010/main">
+              <a14:hiddenFill xmlns:a14="http://schemas.microsoft.com/office/drawing/2010/main" xmlns="">
                 <a:solidFill>
                   <a:srgbClr val="FFFFFF"/>
                 </a:solidFill>
               </a14:hiddenFill>
             </a:ext>
             <a:ext uri="{91240B29-F687-4F45-9708-019B960494DF}">
-              <a14:hiddenLine xmlns="" xmlns:a14="http://schemas.microsoft.com/office/drawing/2010/main" w="9525">
+              <a14:hiddenLine xmlns:a14="http://schemas.microsoft.com/office/drawing/2010/main" xmlns="" w="9525">
                 <a:solidFill>
                   <a:srgbClr val="000000"/>
                 </a:solidFill>
@@ -10539,7 +10434,7 @@
     </p:spTree>
     <p:extLst>
       <p:ext uri="{BB962C8B-B14F-4D97-AF65-F5344CB8AC3E}">
-        <p14:creationId xmlns="" xmlns:p14="http://schemas.microsoft.com/office/powerpoint/2010/main" val="2529912821"/>
+        <p14:creationId xmlns:p14="http://schemas.microsoft.com/office/powerpoint/2010/main" xmlns="" val="2529912821"/>
       </p:ext>
     </p:extLst>
   </p:cSld>
@@ -10613,7 +10508,7 @@
     </p:spTree>
     <p:extLst>
       <p:ext uri="{BB962C8B-B14F-4D97-AF65-F5344CB8AC3E}">
-        <p14:creationId xmlns="" xmlns:p14="http://schemas.microsoft.com/office/powerpoint/2010/main" val="1418970210"/>
+        <p14:creationId xmlns:p14="http://schemas.microsoft.com/office/powerpoint/2010/main" xmlns="" val="1418970210"/>
       </p:ext>
     </p:extLst>
   </p:cSld>
@@ -10783,34 +10678,7 @@
                 </a:solidFill>
                 <a:ea typeface="ＭＳ Ｐゴシック" panose="020B0600070205080204" pitchFamily="34" charset="-128"/>
               </a:rPr>
-              <a:t> Đã </a:t>
-            </a:r>
-            <a:r>
-              <a:rPr lang="vi-VN" sz="3200" smtClean="0">
-                <a:solidFill>
-                  <a:srgbClr val="136D38"/>
-                </a:solidFill>
-                <a:ea typeface="ＭＳ Ｐゴシック" panose="020B0600070205080204" pitchFamily="34" charset="-128"/>
-              </a:rPr>
-              <a:t>đáp ứng được các yêu cầu </a:t>
-            </a:r>
-            <a:r>
-              <a:rPr lang="vi-VN" sz="3200" smtClean="0">
-                <a:solidFill>
-                  <a:srgbClr val="136D38"/>
-                </a:solidFill>
-                <a:ea typeface="ＭＳ Ｐゴシック" panose="020B0600070205080204" pitchFamily="34" charset="-128"/>
-              </a:rPr>
-              <a:t>đề </a:t>
-            </a:r>
-            <a:r>
-              <a:rPr lang="vi-VN" sz="3200" smtClean="0">
-                <a:solidFill>
-                  <a:srgbClr val="136D38"/>
-                </a:solidFill>
-                <a:ea typeface="ＭＳ Ｐゴシック" panose="020B0600070205080204" pitchFamily="34" charset="-128"/>
-              </a:rPr>
-              <a:t>bài</a:t>
+              <a:t> Đã đáp ứng được các yêu cầu đề bài</a:t>
             </a:r>
           </a:p>
           <a:p>
@@ -10826,34 +10694,7 @@
                 </a:solidFill>
                 <a:ea typeface="ＭＳ Ｐゴシック" panose="020B0600070205080204" pitchFamily="34" charset="-128"/>
               </a:rPr>
-              <a:t> Giao </a:t>
-            </a:r>
-            <a:r>
-              <a:rPr lang="vi-VN" sz="3200" smtClean="0">
-                <a:solidFill>
-                  <a:srgbClr val="136D38"/>
-                </a:solidFill>
-                <a:ea typeface="ＭＳ Ｐゴシック" panose="020B0600070205080204" pitchFamily="34" charset="-128"/>
-              </a:rPr>
-              <a:t>diện đơn giản, dễ sử dụng, màu sắc phù </a:t>
-            </a:r>
-            <a:r>
-              <a:rPr lang="vi-VN" sz="3200" smtClean="0">
-                <a:solidFill>
-                  <a:srgbClr val="136D38"/>
-                </a:solidFill>
-                <a:ea typeface="ＭＳ Ｐゴシック" panose="020B0600070205080204" pitchFamily="34" charset="-128"/>
-              </a:rPr>
-              <a:t>hợp </a:t>
-            </a:r>
-            <a:r>
-              <a:rPr lang="vi-VN" sz="3200" smtClean="0">
-                <a:solidFill>
-                  <a:srgbClr val="136D38"/>
-                </a:solidFill>
-                <a:ea typeface="ＭＳ Ｐゴシック" panose="020B0600070205080204" pitchFamily="34" charset="-128"/>
-              </a:rPr>
-              <a:t/>
+              <a:t> Giao diện đơn giản, dễ sử dụng, màu sắc phù hợp </a:t>
             </a:r>
             <a:br>
               <a:rPr lang="vi-VN" sz="3200" smtClean="0">
@@ -10870,34 +10711,7 @@
                 </a:solidFill>
                 <a:ea typeface="ＭＳ Ｐゴシック" panose="020B0600070205080204" pitchFamily="34" charset="-128"/>
               </a:rPr>
-              <a:t>để </a:t>
-            </a:r>
-            <a:r>
-              <a:rPr lang="vi-VN" sz="3200" smtClean="0">
-                <a:solidFill>
-                  <a:srgbClr val="136D38"/>
-                </a:solidFill>
-                <a:ea typeface="ＭＳ Ｐゴシック" panose="020B0600070205080204" pitchFamily="34" charset="-128"/>
-              </a:rPr>
-              <a:t>đọc nhiều bài báo mà không bị </a:t>
-            </a:r>
-            <a:r>
-              <a:rPr lang="vi-VN" sz="3200" smtClean="0">
-                <a:solidFill>
-                  <a:srgbClr val="136D38"/>
-                </a:solidFill>
-                <a:ea typeface="ＭＳ Ｐゴシック" panose="020B0600070205080204" pitchFamily="34" charset="-128"/>
-              </a:rPr>
-              <a:t>mỏi </a:t>
-            </a:r>
-            <a:r>
-              <a:rPr lang="vi-VN" sz="3200" smtClean="0">
-                <a:solidFill>
-                  <a:srgbClr val="136D38"/>
-                </a:solidFill>
-                <a:ea typeface="ＭＳ Ｐゴシック" panose="020B0600070205080204" pitchFamily="34" charset="-128"/>
-              </a:rPr>
-              <a:t>mắt</a:t>
+              <a:t>để đọc nhiều bài báo mà không bị mỏi mắt</a:t>
             </a:r>
           </a:p>
           <a:p>
@@ -10913,25 +10727,7 @@
                 </a:solidFill>
                 <a:ea typeface="ＭＳ Ｐゴシック" panose="020B0600070205080204" pitchFamily="34" charset="-128"/>
               </a:rPr>
-              <a:t> Chương trình dễ dàng nâng cấp, bổ sung để mở rộng và </a:t>
-            </a:r>
-            <a:r>
-              <a:rPr lang="vi-VN" sz="3200" smtClean="0">
-                <a:solidFill>
-                  <a:srgbClr val="136D38"/>
-                </a:solidFill>
-                <a:ea typeface="ＭＳ Ｐゴシック" panose="020B0600070205080204" pitchFamily="34" charset="-128"/>
-              </a:rPr>
-              <a:t>phát </a:t>
-            </a:r>
-            <a:r>
-              <a:rPr lang="vi-VN" sz="3200" smtClean="0">
-                <a:solidFill>
-                  <a:srgbClr val="136D38"/>
-                </a:solidFill>
-                <a:ea typeface="ＭＳ Ｐゴシック" panose="020B0600070205080204" pitchFamily="34" charset="-128"/>
-              </a:rPr>
-              <a:t>triển</a:t>
+              <a:t> Chương trình dễ dàng nâng cấp, bổ sung để mở rộng và phát triển</a:t>
             </a:r>
             <a:endParaRPr lang="en-US" sz="3200" dirty="0">
               <a:solidFill>
@@ -10945,7 +10741,7 @@
     </p:spTree>
     <p:extLst>
       <p:ext uri="{BB962C8B-B14F-4D97-AF65-F5344CB8AC3E}">
-        <p14:creationId xmlns="" xmlns:p14="http://schemas.microsoft.com/office/powerpoint/2010/main" val="3174017996"/>
+        <p14:creationId xmlns:p14="http://schemas.microsoft.com/office/powerpoint/2010/main" xmlns="" val="3174017996"/>
       </p:ext>
     </p:extLst>
   </p:cSld>
@@ -11115,25 +10911,7 @@
                 </a:solidFill>
                 <a:ea typeface="ＭＳ Ｐゴシック" panose="020B0600070205080204" pitchFamily="34" charset="-128"/>
               </a:rPr>
-              <a:t> Hiệu suất </a:t>
-            </a:r>
-            <a:r>
-              <a:rPr lang="vi-VN" sz="3200" smtClean="0">
-                <a:solidFill>
-                  <a:srgbClr val="136D38"/>
-                </a:solidFill>
-                <a:ea typeface="ＭＳ Ｐゴシック" panose="020B0600070205080204" pitchFamily="34" charset="-128"/>
-              </a:rPr>
-              <a:t>chưa </a:t>
-            </a:r>
-            <a:r>
-              <a:rPr lang="vi-VN" sz="3200" smtClean="0">
-                <a:solidFill>
-                  <a:srgbClr val="136D38"/>
-                </a:solidFill>
-                <a:ea typeface="ＭＳ Ｐゴシック" panose="020B0600070205080204" pitchFamily="34" charset="-128"/>
-              </a:rPr>
-              <a:t>cao</a:t>
+              <a:t> Hiệu suất chưa cao</a:t>
             </a:r>
           </a:p>
           <a:p>
@@ -11149,25 +10927,7 @@
                 </a:solidFill>
                 <a:ea typeface="ＭＳ Ｐゴシック" panose="020B0600070205080204" pitchFamily="34" charset="-128"/>
               </a:rPr>
-              <a:t> Nghĩa của từ không chắc chắn chính xác, còn nhiều từ không tra </a:t>
-            </a:r>
-            <a:r>
-              <a:rPr lang="vi-VN" sz="3200" smtClean="0">
-                <a:solidFill>
-                  <a:srgbClr val="136D38"/>
-                </a:solidFill>
-                <a:ea typeface="ＭＳ Ｐゴシック" panose="020B0600070205080204" pitchFamily="34" charset="-128"/>
-              </a:rPr>
-              <a:t>được </a:t>
-            </a:r>
-            <a:r>
-              <a:rPr lang="vi-VN" sz="3200" smtClean="0">
-                <a:solidFill>
-                  <a:srgbClr val="136D38"/>
-                </a:solidFill>
-                <a:ea typeface="ＭＳ Ｐゴシック" panose="020B0600070205080204" pitchFamily="34" charset="-128"/>
-              </a:rPr>
-              <a:t>nghĩa</a:t>
+              <a:t> Nghĩa của từ không chắc chắn chính xác, còn nhiều từ không tra được nghĩa</a:t>
             </a:r>
             <a:endParaRPr lang="en-US" sz="3200" dirty="0">
               <a:solidFill>
@@ -11181,7 +10941,7 @@
     </p:spTree>
     <p:extLst>
       <p:ext uri="{BB962C8B-B14F-4D97-AF65-F5344CB8AC3E}">
-        <p14:creationId xmlns="" xmlns:p14="http://schemas.microsoft.com/office/powerpoint/2010/main" val="3174017996"/>
+        <p14:creationId xmlns:p14="http://schemas.microsoft.com/office/powerpoint/2010/main" xmlns="" val="3174017996"/>
       </p:ext>
     </p:extLst>
   </p:cSld>
@@ -11351,32 +11111,8 @@
                 </a:solidFill>
                 <a:ea typeface="ＭＳ Ｐゴシック" panose="020B0600070205080204" pitchFamily="34" charset="-128"/>
               </a:rPr>
-              <a:t> Hoàn thiện, tối ưu các chức năng đã </a:t>
-            </a:r>
-            <a:r>
-              <a:rPr lang="vi-VN" sz="3200" smtClean="0">
-                <a:solidFill>
-                  <a:srgbClr val="136D38"/>
-                </a:solidFill>
-                <a:ea typeface="ＭＳ Ｐゴシック" panose="020B0600070205080204" pitchFamily="34" charset="-128"/>
-              </a:rPr>
-              <a:t>làm </a:t>
-            </a:r>
-            <a:r>
-              <a:rPr lang="vi-VN" sz="3200" smtClean="0">
-                <a:solidFill>
-                  <a:srgbClr val="136D38"/>
-                </a:solidFill>
-                <a:ea typeface="ＭＳ Ｐゴシック" panose="020B0600070205080204" pitchFamily="34" charset="-128"/>
-              </a:rPr>
-              <a:t>được</a:t>
-            </a:r>
-            <a:endParaRPr lang="vi-VN" sz="3200" smtClean="0">
-              <a:solidFill>
-                <a:srgbClr val="136D38"/>
-              </a:solidFill>
-              <a:ea typeface="ＭＳ Ｐゴシック" panose="020B0600070205080204" pitchFamily="34" charset="-128"/>
-            </a:endParaRPr>
+              <a:t> Hoàn thiện, tối ưu các chức năng đã làm được</a:t>
+            </a:r>
           </a:p>
           <a:p>
             <a:pPr marL="109538">
@@ -11391,25 +11127,7 @@
                 </a:solidFill>
                 <a:ea typeface="ＭＳ Ｐゴシック" panose="020B0600070205080204" pitchFamily="34" charset="-128"/>
               </a:rPr>
-              <a:t> Thêm chức năng cá </a:t>
-            </a:r>
-            <a:r>
-              <a:rPr lang="vi-VN" sz="3200" smtClean="0">
-                <a:solidFill>
-                  <a:srgbClr val="136D38"/>
-                </a:solidFill>
-                <a:ea typeface="ＭＳ Ｐゴシック" panose="020B0600070205080204" pitchFamily="34" charset="-128"/>
-              </a:rPr>
-              <a:t>nhân </a:t>
-            </a:r>
-            <a:r>
-              <a:rPr lang="vi-VN" sz="3200" smtClean="0">
-                <a:solidFill>
-                  <a:srgbClr val="136D38"/>
-                </a:solidFill>
-                <a:ea typeface="ＭＳ Ｐゴシック" panose="020B0600070205080204" pitchFamily="34" charset="-128"/>
-              </a:rPr>
-              <a:t>hoá.</a:t>
+              <a:t> Thêm chức năng cá nhân hoá.</a:t>
             </a:r>
           </a:p>
           <a:p>
@@ -11425,16 +11143,7 @@
                 </a:solidFill>
                 <a:ea typeface="ＭＳ Ｐゴシック" panose="020B0600070205080204" pitchFamily="34" charset="-128"/>
               </a:rPr>
-              <a:t> </a:t>
-            </a:r>
-            <a:r>
-              <a:rPr lang="vi-VN" sz="3200" smtClean="0">
-                <a:solidFill>
-                  <a:srgbClr val="136D38"/>
-                </a:solidFill>
-                <a:ea typeface="ＭＳ Ｐゴシック" panose="020B0600070205080204" pitchFamily="34" charset="-128"/>
-              </a:rPr>
-              <a:t>Có thể tra từ bằng nhiều nguồn khác nhau</a:t>
+              <a:t> Có thể tra từ bằng nhiều nguồn khác nhau</a:t>
             </a:r>
           </a:p>
           <a:p>
@@ -11450,16 +11159,7 @@
                 </a:solidFill>
                 <a:ea typeface="ＭＳ Ｐゴシック" panose="020B0600070205080204" pitchFamily="34" charset="-128"/>
               </a:rPr>
-              <a:t> </a:t>
-            </a:r>
-            <a:r>
-              <a:rPr lang="vi-VN" sz="3200" smtClean="0">
-                <a:solidFill>
-                  <a:srgbClr val="136D38"/>
-                </a:solidFill>
-                <a:ea typeface="ＭＳ Ｐゴシック" panose="020B0600070205080204" pitchFamily="34" charset="-128"/>
-              </a:rPr>
-              <a:t>Có thể lấy danh sách bài từ nhiều nguồn khác nhau</a:t>
+              <a:t> Có thể lấy danh sách bài từ nhiều nguồn khác nhau</a:t>
             </a:r>
             <a:endParaRPr lang="en-US" sz="3200" dirty="0">
               <a:solidFill>
@@ -11473,7 +11173,7 @@
     </p:spTree>
     <p:extLst>
       <p:ext uri="{BB962C8B-B14F-4D97-AF65-F5344CB8AC3E}">
-        <p14:creationId xmlns="" xmlns:p14="http://schemas.microsoft.com/office/powerpoint/2010/main" val="3174017996"/>
+        <p14:creationId xmlns:p14="http://schemas.microsoft.com/office/powerpoint/2010/main" xmlns="" val="3174017996"/>
       </p:ext>
     </p:extLst>
   </p:cSld>
@@ -11566,7 +11266,7 @@
     </p:spTree>
     <p:extLst>
       <p:ext uri="{BB962C8B-B14F-4D97-AF65-F5344CB8AC3E}">
-        <p14:creationId xmlns="" xmlns:p14="http://schemas.microsoft.com/office/powerpoint/2010/main" val="4210322358"/>
+        <p14:creationId xmlns:p14="http://schemas.microsoft.com/office/powerpoint/2010/main" xmlns="" val="4210322358"/>
       </p:ext>
     </p:extLst>
   </p:cSld>
@@ -12940,7 +12640,7 @@
     </p:spTree>
     <p:extLst>
       <p:ext uri="{BB962C8B-B14F-4D97-AF65-F5344CB8AC3E}">
-        <p14:creationId xmlns="" xmlns:p14="http://schemas.microsoft.com/office/powerpoint/2010/main" val="2586147776"/>
+        <p14:creationId xmlns:p14="http://schemas.microsoft.com/office/powerpoint/2010/main" xmlns="" val="2586147776"/>
       </p:ext>
     </p:extLst>
   </p:cSld>
@@ -13032,7 +12732,7 @@
           <p:nvPr>
             <p:extLst>
               <p:ext uri="{D42A27DB-BD31-4B8C-83A1-F6EECF244321}">
-                <p14:modId xmlns="" xmlns:p14="http://schemas.microsoft.com/office/powerpoint/2010/main" val="547714941"/>
+                <p14:modId xmlns:p14="http://schemas.microsoft.com/office/powerpoint/2010/main" xmlns="" val="547714941"/>
               </p:ext>
             </p:extLst>
           </p:nvPr>
@@ -15455,208 +15155,10 @@
                         </a:spcAft>
                       </a:pPr>
                       <a:r>
-                        <a:rPr lang="en-US" sz="1600" dirty="0">
-                          <a:effectLst/>
-                        </a:rPr>
-                        <a:t>Use case </a:t>
-                      </a:r>
-                      <a:r>
-                        <a:rPr lang="en-US" sz="1600" dirty="0" err="1">
-                          <a:effectLst/>
-                        </a:rPr>
-                        <a:t>luôn</a:t>
-                      </a:r>
-                      <a:r>
-                        <a:rPr lang="en-US" sz="1600" dirty="0">
-                          <a:effectLst/>
-                        </a:rPr>
-                        <a:t> </a:t>
-                      </a:r>
-                      <a:r>
-                        <a:rPr lang="en-US" sz="1600" dirty="0" err="1">
-                          <a:effectLst/>
-                        </a:rPr>
-                        <a:t>thành</a:t>
-                      </a:r>
-                      <a:r>
-                        <a:rPr lang="en-US" sz="1600" dirty="0">
-                          <a:effectLst/>
-                        </a:rPr>
-                        <a:t> </a:t>
-                      </a:r>
-                      <a:r>
-                        <a:rPr lang="en-US" sz="1600" dirty="0" err="1">
-                          <a:effectLst/>
-                        </a:rPr>
-                        <a:t>công</a:t>
-                      </a:r>
-                      <a:r>
-                        <a:rPr lang="en-US" sz="1600" dirty="0">
-                          <a:effectLst/>
-                        </a:rPr>
-                        <a:t>, </a:t>
-                      </a:r>
-                      <a:r>
-                        <a:rPr lang="en-US" sz="1600" dirty="0" err="1">
-                          <a:effectLst/>
-                        </a:rPr>
-                        <a:t>người</a:t>
-                      </a:r>
-                      <a:r>
-                        <a:rPr lang="en-US" sz="1600" dirty="0">
-                          <a:effectLst/>
-                        </a:rPr>
-                        <a:t> </a:t>
-                      </a:r>
-                      <a:r>
-                        <a:rPr lang="en-US" sz="1600" dirty="0" err="1">
-                          <a:effectLst/>
-                        </a:rPr>
-                        <a:t>dùng</a:t>
-                      </a:r>
-                      <a:r>
-                        <a:rPr lang="en-US" sz="1600" dirty="0">
-                          <a:effectLst/>
-                        </a:rPr>
-                        <a:t> </a:t>
-                      </a:r>
-                      <a:r>
-                        <a:rPr lang="en-US" sz="1600" dirty="0" err="1">
-                          <a:effectLst/>
-                        </a:rPr>
-                        <a:t>được</a:t>
-                      </a:r>
-                      <a:r>
-                        <a:rPr lang="en-US" sz="1600" dirty="0">
-                          <a:effectLst/>
-                        </a:rPr>
-                        <a:t> </a:t>
-                      </a:r>
-                      <a:r>
-                        <a:rPr lang="en-US" sz="1600" dirty="0" err="1">
-                          <a:effectLst/>
-                        </a:rPr>
-                        <a:t>đăng</a:t>
-                      </a:r>
-                      <a:r>
-                        <a:rPr lang="en-US" sz="1600" dirty="0">
-                          <a:effectLst/>
-                        </a:rPr>
-                        <a:t> </a:t>
-                      </a:r>
-                      <a:r>
-                        <a:rPr lang="en-US" sz="1600" dirty="0" err="1">
-                          <a:effectLst/>
-                        </a:rPr>
-                        <a:t>nhập</a:t>
-                      </a:r>
-                      <a:r>
-                        <a:rPr lang="en-US" sz="1600" dirty="0">
-                          <a:effectLst/>
-                        </a:rPr>
-                        <a:t> </a:t>
-                      </a:r>
-                      <a:r>
-                        <a:rPr lang="en-US" sz="1600" dirty="0" err="1">
-                          <a:effectLst/>
-                        </a:rPr>
-                        <a:t>vào</a:t>
-                      </a:r>
-                      <a:r>
-                        <a:rPr lang="en-US" sz="1600" dirty="0">
-                          <a:effectLst/>
-                        </a:rPr>
-                        <a:t> </a:t>
-                      </a:r>
-                      <a:r>
-                        <a:rPr lang="en-US" sz="1600" dirty="0" err="1">
-                          <a:effectLst/>
-                        </a:rPr>
-                        <a:t>hệ</a:t>
-                      </a:r>
-                      <a:r>
-                        <a:rPr lang="en-US" sz="1600" dirty="0">
-                          <a:effectLst/>
-                        </a:rPr>
-                        <a:t> </a:t>
-                      </a:r>
-                      <a:r>
-                        <a:rPr lang="en-US" sz="1600" dirty="0" err="1">
-                          <a:effectLst/>
-                        </a:rPr>
-                        <a:t>thống</a:t>
-                      </a:r>
-                      <a:r>
-                        <a:rPr lang="en-US" sz="1600" dirty="0">
-                          <a:effectLst/>
-                        </a:rPr>
-                        <a:t> </a:t>
-                      </a:r>
-                      <a:r>
-                        <a:rPr lang="en-US" sz="1600" dirty="0" err="1">
-                          <a:effectLst/>
-                        </a:rPr>
-                        <a:t>và</a:t>
-                      </a:r>
-                      <a:r>
-                        <a:rPr lang="en-US" sz="1600" dirty="0">
-                          <a:effectLst/>
-                        </a:rPr>
-                        <a:t> </a:t>
-                      </a:r>
-                      <a:r>
-                        <a:rPr lang="en-US" sz="1600" dirty="0" err="1">
-                          <a:effectLst/>
-                        </a:rPr>
-                        <a:t>sử</a:t>
-                      </a:r>
-                      <a:r>
-                        <a:rPr lang="en-US" sz="1600" dirty="0">
-                          <a:effectLst/>
-                        </a:rPr>
-                        <a:t> </a:t>
-                      </a:r>
-                      <a:r>
-                        <a:rPr lang="en-US" sz="1600" dirty="0" err="1">
-                          <a:effectLst/>
-                        </a:rPr>
-                        <a:t>dụng</a:t>
-                      </a:r>
-                      <a:r>
-                        <a:rPr lang="en-US" sz="1600" dirty="0">
-                          <a:effectLst/>
-                        </a:rPr>
-                        <a:t> </a:t>
-                      </a:r>
-                      <a:r>
-                        <a:rPr lang="en-US" sz="1600" dirty="0" err="1">
-                          <a:effectLst/>
-                        </a:rPr>
-                        <a:t>các</a:t>
-                      </a:r>
-                      <a:r>
-                        <a:rPr lang="en-US" sz="1600" dirty="0">
-                          <a:effectLst/>
-                        </a:rPr>
-                        <a:t> </a:t>
-                      </a:r>
-                      <a:r>
-                        <a:rPr lang="en-US" sz="1600" dirty="0" err="1">
-                          <a:effectLst/>
-                        </a:rPr>
-                        <a:t>chức</a:t>
-                      </a:r>
-                      <a:r>
-                        <a:rPr lang="en-US" sz="1600" dirty="0">
-                          <a:effectLst/>
-                        </a:rPr>
-                        <a:t> </a:t>
-                      </a:r>
-                      <a:r>
-                        <a:rPr lang="en-US" sz="1600" dirty="0" err="1">
-                          <a:effectLst/>
-                        </a:rPr>
-                        <a:t>năng</a:t>
+                        <a:rPr lang="en-US" sz="1600" smtClean="0">
+                          <a:effectLst/>
+                        </a:rPr>
+                        <a:t>Không có</a:t>
                       </a:r>
                       <a:endParaRPr lang="en-US" sz="1600" dirty="0">
                         <a:effectLst/>
@@ -15898,7 +15400,7 @@
     </p:spTree>
     <p:extLst>
       <p:ext uri="{BB962C8B-B14F-4D97-AF65-F5344CB8AC3E}">
-        <p14:creationId xmlns="" xmlns:p14="http://schemas.microsoft.com/office/powerpoint/2010/main" val="2356825895"/>
+        <p14:creationId xmlns:p14="http://schemas.microsoft.com/office/powerpoint/2010/main" xmlns="" val="2356825895"/>
       </p:ext>
     </p:extLst>
   </p:cSld>
@@ -15990,7 +15492,7 @@
           <p:nvPr>
             <p:extLst>
               <p:ext uri="{D42A27DB-BD31-4B8C-83A1-F6EECF244321}">
-                <p14:modId xmlns="" xmlns:p14="http://schemas.microsoft.com/office/powerpoint/2010/main" val="1832940750"/>
+                <p14:modId xmlns:p14="http://schemas.microsoft.com/office/powerpoint/2010/main" xmlns="" val="1832940750"/>
               </p:ext>
             </p:extLst>
           </p:nvPr>
@@ -19633,7 +19135,7 @@
     </p:spTree>
     <p:extLst>
       <p:ext uri="{BB962C8B-B14F-4D97-AF65-F5344CB8AC3E}">
-        <p14:creationId xmlns="" xmlns:p14="http://schemas.microsoft.com/office/powerpoint/2010/main" val="4228296224"/>
+        <p14:creationId xmlns:p14="http://schemas.microsoft.com/office/powerpoint/2010/main" xmlns="" val="4228296224"/>
       </p:ext>
     </p:extLst>
   </p:cSld>
@@ -19725,7 +19227,7 @@
           <p:nvPr>
             <p:extLst>
               <p:ext uri="{D42A27DB-BD31-4B8C-83A1-F6EECF244321}">
-                <p14:modId xmlns="" xmlns:p14="http://schemas.microsoft.com/office/powerpoint/2010/main" val="922151401"/>
+                <p14:modId xmlns:p14="http://schemas.microsoft.com/office/powerpoint/2010/main" xmlns="" val="922151401"/>
               </p:ext>
             </p:extLst>
           </p:nvPr>
@@ -23748,7 +23250,7 @@
     </p:spTree>
     <p:extLst>
       <p:ext uri="{BB962C8B-B14F-4D97-AF65-F5344CB8AC3E}">
-        <p14:creationId xmlns="" xmlns:p14="http://schemas.microsoft.com/office/powerpoint/2010/main" val="3178117616"/>
+        <p14:creationId xmlns:p14="http://schemas.microsoft.com/office/powerpoint/2010/main" xmlns="" val="3178117616"/>
       </p:ext>
     </p:extLst>
   </p:cSld>
@@ -23840,7 +23342,7 @@
           <p:nvPr>
             <p:extLst>
               <p:ext uri="{D42A27DB-BD31-4B8C-83A1-F6EECF244321}">
-                <p14:modId xmlns="" xmlns:p14="http://schemas.microsoft.com/office/powerpoint/2010/main" val="3470272267"/>
+                <p14:modId xmlns:p14="http://schemas.microsoft.com/office/powerpoint/2010/main" xmlns="" val="3470272267"/>
               </p:ext>
             </p:extLst>
           </p:nvPr>
@@ -26605,7 +26107,7 @@
     </p:spTree>
     <p:extLst>
       <p:ext uri="{BB962C8B-B14F-4D97-AF65-F5344CB8AC3E}">
-        <p14:creationId xmlns="" xmlns:p14="http://schemas.microsoft.com/office/powerpoint/2010/main" val="1406574953"/>
+        <p14:creationId xmlns:p14="http://schemas.microsoft.com/office/powerpoint/2010/main" xmlns="" val="1406574953"/>
       </p:ext>
     </p:extLst>
   </p:cSld>
@@ -26850,7 +26352,7 @@
   <a:extraClrSchemeLst/>
   <a:extLst>
     <a:ext uri="{05A4C25C-085E-4340-85A3-A5531E510DB2}">
-      <thm15:themeFamily xmlns="" xmlns:thm15="http://schemas.microsoft.com/office/thememl/2012/main" name="Frame" id="{F226E7A2-7162-461C-9490-D27D9DC04E43}" vid="{629A0216-3BBD-45C0-B63F-2683BEA18F60}"/>
+      <thm15:themeFamily xmlns:thm15="http://schemas.microsoft.com/office/thememl/2012/main" xmlns="" name="Frame" id="{F226E7A2-7162-461C-9490-D27D9DC04E43}" vid="{629A0216-3BBD-45C0-B63F-2683BEA18F60}"/>
     </a:ext>
   </a:extLst>
 </a:theme>

--- a/documents/SlidebaocaoOOT.pptx
+++ b/documents/SlidebaocaoOOT.pptx
@@ -6261,118 +6261,6 @@
           </a:p>
         </p:txBody>
       </p:sp>
-      <p:sp>
-        <p:nvSpPr>
-          <p:cNvPr id="3" name="Rectangle 2"/>
-          <p:cNvSpPr/>
-          <p:nvPr/>
-        </p:nvSpPr>
-        <p:spPr>
-          <a:xfrm>
-            <a:off x="469999" y="61261"/>
-            <a:ext cx="2722540" cy="584775"/>
-          </a:xfrm>
-          <a:prstGeom prst="rect">
-            <a:avLst/>
-          </a:prstGeom>
-        </p:spPr>
-        <p:txBody>
-          <a:bodyPr wrap="none">
-            <a:spAutoFit/>
-          </a:bodyPr>
-          <a:lstStyle/>
-          <a:p>
-            <a:pPr marL="109538">
-              <a:buSzPct val="100000"/>
-            </a:pPr>
-            <a:r>
-              <a:rPr lang="en-US" sz="3200" i="1" dirty="0" err="1" smtClean="0">
-                <a:solidFill>
-                  <a:schemeClr val="bg2">
-                    <a:lumMod val="75000"/>
-                  </a:schemeClr>
-                </a:solidFill>
-                <a:ea typeface="ＭＳ Ｐゴシック" panose="020B0600070205080204" pitchFamily="34" charset="-128"/>
-              </a:rPr>
-              <a:t>Dữ</a:t>
-            </a:r>
-            <a:r>
-              <a:rPr lang="en-US" sz="3200" i="1" dirty="0" smtClean="0">
-                <a:solidFill>
-                  <a:schemeClr val="bg2">
-                    <a:lumMod val="75000"/>
-                  </a:schemeClr>
-                </a:solidFill>
-                <a:ea typeface="ＭＳ Ｐゴシック" panose="020B0600070205080204" pitchFamily="34" charset="-128"/>
-              </a:rPr>
-              <a:t> </a:t>
-            </a:r>
-            <a:r>
-              <a:rPr lang="en-US" sz="3200" i="1" dirty="0" err="1" smtClean="0">
-                <a:solidFill>
-                  <a:schemeClr val="bg2">
-                    <a:lumMod val="75000"/>
-                  </a:schemeClr>
-                </a:solidFill>
-                <a:ea typeface="ＭＳ Ｐゴシック" panose="020B0600070205080204" pitchFamily="34" charset="-128"/>
-              </a:rPr>
-              <a:t>liệu</a:t>
-            </a:r>
-            <a:r>
-              <a:rPr lang="en-US" sz="3200" i="1" dirty="0" smtClean="0">
-                <a:solidFill>
-                  <a:schemeClr val="bg2">
-                    <a:lumMod val="75000"/>
-                  </a:schemeClr>
-                </a:solidFill>
-                <a:ea typeface="ＭＳ Ｐゴシック" panose="020B0600070205080204" pitchFamily="34" charset="-128"/>
-              </a:rPr>
-              <a:t> </a:t>
-            </a:r>
-            <a:r>
-              <a:rPr lang="en-US" sz="3200" i="1" dirty="0" err="1" smtClean="0">
-                <a:solidFill>
-                  <a:schemeClr val="bg2">
-                    <a:lumMod val="75000"/>
-                  </a:schemeClr>
-                </a:solidFill>
-                <a:ea typeface="ＭＳ Ｐゴシック" panose="020B0600070205080204" pitchFamily="34" charset="-128"/>
-              </a:rPr>
-              <a:t>từ</a:t>
-            </a:r>
-            <a:r>
-              <a:rPr lang="en-US" sz="3200" i="1" dirty="0" smtClean="0">
-                <a:solidFill>
-                  <a:schemeClr val="bg2">
-                    <a:lumMod val="75000"/>
-                  </a:schemeClr>
-                </a:solidFill>
-                <a:ea typeface="ＭＳ Ｐゴシック" panose="020B0600070205080204" pitchFamily="34" charset="-128"/>
-              </a:rPr>
-              <a:t> </a:t>
-            </a:r>
-            <a:r>
-              <a:rPr lang="en-US" sz="3200" i="1" dirty="0" err="1" smtClean="0">
-                <a:solidFill>
-                  <a:schemeClr val="bg2">
-                    <a:lumMod val="75000"/>
-                  </a:schemeClr>
-                </a:solidFill>
-                <a:ea typeface="ＭＳ Ｐゴシック" panose="020B0600070205080204" pitchFamily="34" charset="-128"/>
-              </a:rPr>
-              <a:t>điển</a:t>
-            </a:r>
-            <a:endParaRPr lang="en-US" sz="3200" i="1" dirty="0">
-              <a:solidFill>
-                <a:schemeClr val="bg2">
-                  <a:lumMod val="75000"/>
-                </a:schemeClr>
-              </a:solidFill>
-              <a:ea typeface="ＭＳ Ｐゴシック" panose="020B0600070205080204" pitchFamily="34" charset="-128"/>
-            </a:endParaRPr>
-          </a:p>
-        </p:txBody>
-      </p:sp>
       <p:pic>
         <p:nvPicPr>
           <p:cNvPr id="5122" name="Picture 2" descr="dic"/>
@@ -6427,6 +6315,118 @@
           </a:extLst>
         </p:spPr>
       </p:pic>
+      <p:sp>
+        <p:nvSpPr>
+          <p:cNvPr id="3" name="Rectangle 2"/>
+          <p:cNvSpPr/>
+          <p:nvPr/>
+        </p:nvSpPr>
+        <p:spPr>
+          <a:xfrm>
+            <a:off x="469999" y="454961"/>
+            <a:ext cx="3932808" cy="830997"/>
+          </a:xfrm>
+          <a:prstGeom prst="rect">
+            <a:avLst/>
+          </a:prstGeom>
+        </p:spPr>
+        <p:txBody>
+          <a:bodyPr wrap="none">
+            <a:spAutoFit/>
+          </a:bodyPr>
+          <a:lstStyle/>
+          <a:p>
+            <a:pPr marL="109538">
+              <a:buSzPct val="100000"/>
+            </a:pPr>
+            <a:r>
+              <a:rPr lang="en-US" sz="4800" i="1" dirty="0" err="1" smtClean="0">
+                <a:solidFill>
+                  <a:schemeClr val="bg2">
+                    <a:lumMod val="75000"/>
+                  </a:schemeClr>
+                </a:solidFill>
+                <a:ea typeface="ＭＳ Ｐゴシック" panose="020B0600070205080204" pitchFamily="34" charset="-128"/>
+              </a:rPr>
+              <a:t>Dữ</a:t>
+            </a:r>
+            <a:r>
+              <a:rPr lang="en-US" sz="4800" i="1" dirty="0" smtClean="0">
+                <a:solidFill>
+                  <a:schemeClr val="bg2">
+                    <a:lumMod val="75000"/>
+                  </a:schemeClr>
+                </a:solidFill>
+                <a:ea typeface="ＭＳ Ｐゴシック" panose="020B0600070205080204" pitchFamily="34" charset="-128"/>
+              </a:rPr>
+              <a:t> </a:t>
+            </a:r>
+            <a:r>
+              <a:rPr lang="en-US" sz="4800" i="1" dirty="0" err="1" smtClean="0">
+                <a:solidFill>
+                  <a:schemeClr val="bg2">
+                    <a:lumMod val="75000"/>
+                  </a:schemeClr>
+                </a:solidFill>
+                <a:ea typeface="ＭＳ Ｐゴシック" panose="020B0600070205080204" pitchFamily="34" charset="-128"/>
+              </a:rPr>
+              <a:t>liệu</a:t>
+            </a:r>
+            <a:r>
+              <a:rPr lang="en-US" sz="4800" i="1" dirty="0" smtClean="0">
+                <a:solidFill>
+                  <a:schemeClr val="bg2">
+                    <a:lumMod val="75000"/>
+                  </a:schemeClr>
+                </a:solidFill>
+                <a:ea typeface="ＭＳ Ｐゴシック" panose="020B0600070205080204" pitchFamily="34" charset="-128"/>
+              </a:rPr>
+              <a:t> </a:t>
+            </a:r>
+            <a:r>
+              <a:rPr lang="en-US" sz="4800" i="1" dirty="0" err="1" smtClean="0">
+                <a:solidFill>
+                  <a:schemeClr val="bg2">
+                    <a:lumMod val="75000"/>
+                  </a:schemeClr>
+                </a:solidFill>
+                <a:ea typeface="ＭＳ Ｐゴシック" panose="020B0600070205080204" pitchFamily="34" charset="-128"/>
+              </a:rPr>
+              <a:t>từ</a:t>
+            </a:r>
+            <a:r>
+              <a:rPr lang="en-US" sz="4800" i="1" dirty="0" smtClean="0">
+                <a:solidFill>
+                  <a:schemeClr val="bg2">
+                    <a:lumMod val="75000"/>
+                  </a:schemeClr>
+                </a:solidFill>
+                <a:ea typeface="ＭＳ Ｐゴシック" panose="020B0600070205080204" pitchFamily="34" charset="-128"/>
+              </a:rPr>
+              <a:t> </a:t>
+            </a:r>
+            <a:r>
+              <a:rPr lang="en-US" sz="4800" i="1" dirty="0" err="1" smtClean="0">
+                <a:solidFill>
+                  <a:schemeClr val="bg2">
+                    <a:lumMod val="75000"/>
+                  </a:schemeClr>
+                </a:solidFill>
+                <a:ea typeface="ＭＳ Ｐゴシック" panose="020B0600070205080204" pitchFamily="34" charset="-128"/>
+              </a:rPr>
+              <a:t>điển</a:t>
+            </a:r>
+            <a:endParaRPr lang="en-US" sz="4800" i="1" dirty="0">
+              <a:solidFill>
+                <a:schemeClr val="bg2">
+                  <a:lumMod val="75000"/>
+                </a:schemeClr>
+              </a:solidFill>
+              <a:ea typeface="ＭＳ Ｐゴシック" panose="020B0600070205080204" pitchFamily="34" charset="-128"/>
+            </a:endParaRPr>
+          </a:p>
+        </p:txBody>
+      </p:sp>
     </p:spTree>
     <p:extLst>
       <p:ext uri="{BB962C8B-B14F-4D97-AF65-F5344CB8AC3E}">
@@ -6574,8 +6574,8 @@
         </p:nvSpPr>
         <p:spPr>
           <a:xfrm>
-            <a:off x="469999" y="543861"/>
-            <a:ext cx="5723362" cy="584775"/>
+            <a:off x="469999" y="442261"/>
+            <a:ext cx="8434040" cy="830997"/>
           </a:xfrm>
           <a:prstGeom prst="rect">
             <a:avLst/>
@@ -6591,7 +6591,7 @@
               <a:buSzPct val="100000"/>
             </a:pPr>
             <a:r>
-              <a:rPr lang="en-US" sz="3200" i="1" dirty="0" err="1" smtClean="0">
+              <a:rPr lang="en-US" sz="4800" i="1" dirty="0" err="1" smtClean="0">
                 <a:solidFill>
                   <a:schemeClr val="bg2">
                     <a:lumMod val="75000"/>
@@ -6602,7 +6602,7 @@
               <a:t>Dữ</a:t>
             </a:r>
             <a:r>
-              <a:rPr lang="en-US" sz="3200" i="1" dirty="0" smtClean="0">
+              <a:rPr lang="en-US" sz="4800" i="1" dirty="0" smtClean="0">
                 <a:solidFill>
                   <a:schemeClr val="bg2">
                     <a:lumMod val="75000"/>
@@ -6613,7 +6613,7 @@
               <a:t> </a:t>
             </a:r>
             <a:r>
-              <a:rPr lang="en-US" sz="3200" i="1" dirty="0" err="1" smtClean="0">
+              <a:rPr lang="en-US" sz="4800" i="1" dirty="0" err="1" smtClean="0">
                 <a:solidFill>
                   <a:schemeClr val="bg2">
                     <a:lumMod val="75000"/>
@@ -6624,7 +6624,7 @@
               <a:t>liệu</a:t>
             </a:r>
             <a:r>
-              <a:rPr lang="en-US" sz="3200" i="1" dirty="0" smtClean="0">
+              <a:rPr lang="en-US" sz="4800" i="1" dirty="0" smtClean="0">
                 <a:solidFill>
                   <a:schemeClr val="bg2">
                     <a:lumMod val="75000"/>
@@ -6635,7 +6635,7 @@
               <a:t> </a:t>
             </a:r>
             <a:r>
-              <a:rPr lang="en-US" sz="3200" i="1" dirty="0" err="1" smtClean="0">
+              <a:rPr lang="en-US" sz="4800" i="1" dirty="0" err="1" smtClean="0">
                 <a:solidFill>
                   <a:schemeClr val="bg2">
                     <a:lumMod val="75000"/>
@@ -6646,7 +6646,7 @@
               <a:t>thông</a:t>
             </a:r>
             <a:r>
-              <a:rPr lang="en-US" sz="3200" i="1" dirty="0" smtClean="0">
+              <a:rPr lang="en-US" sz="4800" i="1" dirty="0" smtClean="0">
                 <a:solidFill>
                   <a:schemeClr val="bg2">
                     <a:lumMod val="75000"/>
@@ -6657,7 +6657,7 @@
               <a:t> tin </a:t>
             </a:r>
             <a:r>
-              <a:rPr lang="en-US" sz="3200" i="1" dirty="0" err="1" smtClean="0">
+              <a:rPr lang="en-US" sz="4800" i="1" dirty="0" err="1" smtClean="0">
                 <a:solidFill>
                   <a:schemeClr val="bg2">
                     <a:lumMod val="75000"/>
@@ -6668,7 +6668,7 @@
               <a:t>mỗi</a:t>
             </a:r>
             <a:r>
-              <a:rPr lang="en-US" sz="3200" i="1" dirty="0" smtClean="0">
+              <a:rPr lang="en-US" sz="4800" i="1" dirty="0" smtClean="0">
                 <a:solidFill>
                   <a:schemeClr val="bg2">
                     <a:lumMod val="75000"/>
@@ -6679,7 +6679,7 @@
               <a:t> </a:t>
             </a:r>
             <a:r>
-              <a:rPr lang="en-US" sz="3200" i="1" dirty="0" err="1" smtClean="0">
+              <a:rPr lang="en-US" sz="4800" i="1" dirty="0" err="1" smtClean="0">
                 <a:solidFill>
                   <a:schemeClr val="bg2">
                     <a:lumMod val="75000"/>
@@ -6690,7 +6690,7 @@
               <a:t>người</a:t>
             </a:r>
             <a:r>
-              <a:rPr lang="en-US" sz="3200" i="1" dirty="0" smtClean="0">
+              <a:rPr lang="en-US" sz="4800" i="1" dirty="0" smtClean="0">
                 <a:solidFill>
                   <a:schemeClr val="bg2">
                     <a:lumMod val="75000"/>
@@ -6701,7 +6701,7 @@
               <a:t> </a:t>
             </a:r>
             <a:r>
-              <a:rPr lang="en-US" sz="3200" i="1" dirty="0" err="1" smtClean="0">
+              <a:rPr lang="en-US" sz="4800" i="1" dirty="0" err="1" smtClean="0">
                 <a:solidFill>
                   <a:schemeClr val="bg2">
                     <a:lumMod val="75000"/>
@@ -6711,7 +6711,7 @@
               </a:rPr>
               <a:t>dùng</a:t>
             </a:r>
-            <a:endParaRPr lang="en-US" sz="3200" i="1" dirty="0">
+            <a:endParaRPr lang="en-US" sz="4800" i="1" dirty="0">
               <a:solidFill>
                 <a:schemeClr val="bg2">
                   <a:lumMod val="75000"/>
@@ -6745,7 +6745,7 @@
         </p:blipFill>
         <p:spPr bwMode="auto">
           <a:xfrm>
-            <a:off x="546873" y="1311851"/>
+            <a:off x="546873" y="1667451"/>
             <a:ext cx="11007818" cy="4155269"/>
           </a:xfrm>
           <a:prstGeom prst="rect">
@@ -12685,8 +12685,8 @@
         </p:nvSpPr>
         <p:spPr>
           <a:xfrm>
-            <a:off x="432999" y="257218"/>
-            <a:ext cx="3690369" cy="584775"/>
+            <a:off x="432999" y="422318"/>
+            <a:ext cx="5389360" cy="830997"/>
           </a:xfrm>
           <a:prstGeom prst="rect">
             <a:avLst/>
@@ -12702,7 +12702,7 @@
               <a:buSzPct val="100000"/>
             </a:pPr>
             <a:r>
-              <a:rPr lang="en-US" sz="3200" i="1" dirty="0" smtClean="0">
+              <a:rPr lang="en-US" sz="4800" i="1" dirty="0" smtClean="0">
                 <a:solidFill>
                   <a:schemeClr val="bg2">
                     <a:lumMod val="75000"/>
@@ -12712,7 +12712,7 @@
               </a:rPr>
               <a:t>Use case 1-”LOGIN”:</a:t>
             </a:r>
-            <a:endParaRPr lang="en-US" sz="3200" i="1" dirty="0">
+            <a:endParaRPr lang="en-US" sz="4800" i="1" dirty="0">
               <a:solidFill>
                 <a:schemeClr val="bg2">
                   <a:lumMod val="75000"/>
@@ -23295,8 +23295,8 @@
         </p:nvSpPr>
         <p:spPr>
           <a:xfrm>
-            <a:off x="388026" y="506942"/>
-            <a:ext cx="4129977" cy="584775"/>
+            <a:off x="388026" y="392642"/>
+            <a:ext cx="6071214" cy="830997"/>
           </a:xfrm>
           <a:prstGeom prst="rect">
             <a:avLst/>
@@ -23312,7 +23312,7 @@
               <a:buSzPct val="100000"/>
             </a:pPr>
             <a:r>
-              <a:rPr lang="en-US" sz="3200" i="1" dirty="0" smtClean="0">
+              <a:rPr lang="en-US" sz="4800" i="1" dirty="0" smtClean="0">
                 <a:solidFill>
                   <a:schemeClr val="bg2">
                     <a:lumMod val="75000"/>
@@ -23322,7 +23322,7 @@
               </a:rPr>
               <a:t>Use case 4-”EXERCISE”</a:t>
             </a:r>
-            <a:endParaRPr lang="en-US" sz="3200" i="1" dirty="0">
+            <a:endParaRPr lang="en-US" sz="4800" i="1" dirty="0">
               <a:solidFill>
                 <a:schemeClr val="bg2">
                   <a:lumMod val="75000"/>

--- a/documents/SlidebaocaoOOT.pptx
+++ b/documents/SlidebaocaoOOT.pptx
@@ -4130,8 +4130,8 @@
         </p:nvSpPr>
         <p:spPr>
           <a:xfrm>
-            <a:off x="499028" y="42822"/>
-            <a:ext cx="5628785" cy="584775"/>
+            <a:off x="499028" y="373022"/>
+            <a:ext cx="8012450" cy="830997"/>
           </a:xfrm>
           <a:prstGeom prst="rect">
             <a:avLst/>
@@ -4147,7 +4147,7 @@
               <a:buSzPct val="100000"/>
             </a:pPr>
             <a:r>
-              <a:rPr lang="en-US" sz="3200" i="1" dirty="0" err="1" smtClean="0">
+              <a:rPr lang="en-US" sz="4800" i="1" dirty="0" err="1" smtClean="0">
                 <a:solidFill>
                   <a:schemeClr val="bg2">
                     <a:lumMod val="75000"/>
@@ -4158,7 +4158,7 @@
               <a:t>Mô</a:t>
             </a:r>
             <a:r>
-              <a:rPr lang="en-US" sz="3200" i="1" dirty="0" smtClean="0">
+              <a:rPr lang="en-US" sz="4800" i="1" dirty="0" smtClean="0">
                 <a:solidFill>
                   <a:schemeClr val="bg2">
                     <a:lumMod val="75000"/>
@@ -4169,7 +4169,7 @@
               <a:t> </a:t>
             </a:r>
             <a:r>
-              <a:rPr lang="en-US" sz="3200" i="1" dirty="0" err="1" smtClean="0">
+              <a:rPr lang="en-US" sz="4800" i="1" dirty="0" err="1" smtClean="0">
                 <a:solidFill>
                   <a:schemeClr val="bg2">
                     <a:lumMod val="75000"/>
@@ -4180,7 +4180,7 @@
               <a:t>hình</a:t>
             </a:r>
             <a:r>
-              <a:rPr lang="en-US" sz="3200" i="1" dirty="0" smtClean="0">
+              <a:rPr lang="en-US" sz="4800" i="1" dirty="0" smtClean="0">
                 <a:solidFill>
                   <a:schemeClr val="bg2">
                     <a:lumMod val="75000"/>
@@ -4191,7 +4191,7 @@
               <a:t> </a:t>
             </a:r>
             <a:r>
-              <a:rPr lang="en-US" sz="3200" i="1" dirty="0" err="1" smtClean="0">
+              <a:rPr lang="en-US" sz="4800" i="1" dirty="0" err="1" smtClean="0">
                 <a:solidFill>
                   <a:schemeClr val="bg2">
                     <a:lumMod val="75000"/>
@@ -4202,7 +4202,7 @@
               <a:t>chung</a:t>
             </a:r>
             <a:r>
-              <a:rPr lang="en-US" sz="3200" i="1" dirty="0" smtClean="0">
+              <a:rPr lang="en-US" sz="4800" i="1" dirty="0" smtClean="0">
                 <a:solidFill>
                   <a:schemeClr val="bg2">
                     <a:lumMod val="75000"/>
@@ -4213,7 +4213,7 @@
               <a:t> </a:t>
             </a:r>
             <a:r>
-              <a:rPr lang="en-US" sz="3200" i="1" dirty="0" err="1" smtClean="0">
+              <a:rPr lang="en-US" sz="4800" i="1" dirty="0" err="1" smtClean="0">
                 <a:solidFill>
                   <a:schemeClr val="bg2">
                     <a:lumMod val="75000"/>
@@ -4224,7 +4224,7 @@
               <a:t>cho</a:t>
             </a:r>
             <a:r>
-              <a:rPr lang="en-US" sz="3200" i="1" dirty="0" smtClean="0">
+              <a:rPr lang="en-US" sz="4800" i="1" dirty="0" smtClean="0">
                 <a:solidFill>
                   <a:schemeClr val="bg2">
                     <a:lumMod val="75000"/>
@@ -4235,7 +4235,7 @@
               <a:t> </a:t>
             </a:r>
             <a:r>
-              <a:rPr lang="en-US" sz="3200" i="1" dirty="0" err="1" smtClean="0">
+              <a:rPr lang="en-US" sz="4800" i="1" dirty="0" err="1" smtClean="0">
                 <a:solidFill>
                   <a:schemeClr val="bg2">
                     <a:lumMod val="75000"/>
@@ -4246,7 +4246,7 @@
               <a:t>tầng</a:t>
             </a:r>
             <a:r>
-              <a:rPr lang="en-US" sz="3200" i="1" dirty="0" smtClean="0">
+              <a:rPr lang="en-US" sz="4800" i="1" dirty="0" smtClean="0">
                 <a:solidFill>
                   <a:schemeClr val="bg2">
                     <a:lumMod val="75000"/>
@@ -4257,7 +4257,7 @@
               <a:t> </a:t>
             </a:r>
             <a:r>
-              <a:rPr lang="en-US" sz="3200" i="1" dirty="0" err="1" smtClean="0">
+              <a:rPr lang="en-US" sz="4800" i="1" dirty="0" err="1" smtClean="0">
                 <a:solidFill>
                   <a:schemeClr val="bg2">
                     <a:lumMod val="75000"/>
@@ -4268,7 +4268,7 @@
               <a:t>dữ</a:t>
             </a:r>
             <a:r>
-              <a:rPr lang="en-US" sz="3200" i="1" dirty="0" smtClean="0">
+              <a:rPr lang="en-US" sz="4800" i="1" dirty="0" smtClean="0">
                 <a:solidFill>
                   <a:schemeClr val="bg2">
                     <a:lumMod val="75000"/>
@@ -4279,7 +4279,7 @@
               <a:t> </a:t>
             </a:r>
             <a:r>
-              <a:rPr lang="en-US" sz="3200" i="1" dirty="0" err="1" smtClean="0">
+              <a:rPr lang="en-US" sz="4800" i="1" dirty="0" err="1" smtClean="0">
                 <a:solidFill>
                   <a:schemeClr val="bg2">
                     <a:lumMod val="75000"/>
@@ -4289,7 +4289,7 @@
               </a:rPr>
               <a:t>liệu</a:t>
             </a:r>
-            <a:endParaRPr lang="en-US" sz="3200" i="1" dirty="0">
+            <a:endParaRPr lang="en-US" sz="4800" i="1" dirty="0">
               <a:solidFill>
                 <a:schemeClr val="bg2">
                   <a:lumMod val="75000"/>
@@ -4300,60 +4300,6 @@
           </a:p>
         </p:txBody>
       </p:sp>
-      <p:pic>
-        <p:nvPicPr>
-          <p:cNvPr id="9218" name="Picture 2" descr="model"/>
-          <p:cNvPicPr>
-            <a:picLocks noChangeAspect="1" noChangeArrowheads="1"/>
-          </p:cNvPicPr>
-          <p:nvPr/>
-        </p:nvPicPr>
-        <p:blipFill>
-          <a:blip r:embed="rId2">
-            <a:extLst>
-              <a:ext uri="{28A0092B-C50C-407E-A947-70E740481C1C}">
-                <a14:useLocalDpi xmlns:a14="http://schemas.microsoft.com/office/drawing/2010/main" xmlns="" val="0"/>
-              </a:ext>
-            </a:extLst>
-          </a:blip>
-          <a:srcRect/>
-          <a:stretch>
-            <a:fillRect/>
-          </a:stretch>
-        </p:blipFill>
-        <p:spPr bwMode="auto">
-          <a:xfrm>
-            <a:off x="2729345" y="627597"/>
-            <a:ext cx="6609527" cy="6101144"/>
-          </a:xfrm>
-          <a:prstGeom prst="rect">
-            <a:avLst/>
-          </a:prstGeom>
-          <a:noFill/>
-          <a:ln>
-            <a:noFill/>
-          </a:ln>
-          <a:extLst>
-            <a:ext uri="{909E8E84-426E-40DD-AFC4-6F175D3DCCD1}">
-              <a14:hiddenFill xmlns:a14="http://schemas.microsoft.com/office/drawing/2010/main" xmlns="">
-                <a:solidFill>
-                  <a:srgbClr val="FFFFFF"/>
-                </a:solidFill>
-              </a14:hiddenFill>
-            </a:ext>
-            <a:ext uri="{91240B29-F687-4F45-9708-019B960494DF}">
-              <a14:hiddenLine xmlns:a14="http://schemas.microsoft.com/office/drawing/2010/main" xmlns="" w="9525">
-                <a:solidFill>
-                  <a:srgbClr val="000000"/>
-                </a:solidFill>
-                <a:miter lim="800000"/>
-                <a:headEnd/>
-                <a:tailEnd/>
-              </a14:hiddenLine>
-            </a:ext>
-          </a:extLst>
-        </p:spPr>
-      </p:pic>
       <p:sp>
         <p:nvSpPr>
           <p:cNvPr id="4" name="Rectangle 3"/>
@@ -4402,6 +4348,38 @@
           </a:p>
         </p:txBody>
       </p:sp>
+      <p:pic>
+        <p:nvPicPr>
+          <p:cNvPr id="1031" name="Picture 7"/>
+          <p:cNvPicPr>
+            <a:picLocks noChangeAspect="1" noChangeArrowheads="1"/>
+          </p:cNvPicPr>
+          <p:nvPr/>
+        </p:nvPicPr>
+        <p:blipFill>
+          <a:blip r:embed="rId2"/>
+          <a:srcRect/>
+          <a:stretch>
+            <a:fillRect/>
+          </a:stretch>
+        </p:blipFill>
+        <p:spPr bwMode="auto">
+          <a:xfrm>
+            <a:off x="490538" y="1360488"/>
+            <a:ext cx="11210925" cy="5229225"/>
+          </a:xfrm>
+          <a:prstGeom prst="rect">
+            <a:avLst/>
+          </a:prstGeom>
+          <a:noFill/>
+          <a:ln w="9525">
+            <a:noFill/>
+            <a:miter lim="800000"/>
+            <a:headEnd/>
+            <a:tailEnd/>
+          </a:ln>
+        </p:spPr>
+      </p:pic>
     </p:spTree>
     <p:extLst>
       <p:ext uri="{BB962C8B-B14F-4D97-AF65-F5344CB8AC3E}">
@@ -4440,8 +4418,8 @@
         </p:nvSpPr>
         <p:spPr>
           <a:xfrm>
-            <a:off x="499028" y="42822"/>
-            <a:ext cx="5917326" cy="584775"/>
+            <a:off x="499028" y="373022"/>
+            <a:ext cx="8720977" cy="830997"/>
           </a:xfrm>
           <a:prstGeom prst="rect">
             <a:avLst/>
@@ -4457,7 +4435,7 @@
               <a:buSzPct val="100000"/>
             </a:pPr>
             <a:r>
-              <a:rPr lang="en-US" sz="3200" i="1" dirty="0" err="1" smtClean="0">
+              <a:rPr lang="en-US" sz="4800" i="1" dirty="0" err="1" smtClean="0">
                 <a:solidFill>
                   <a:schemeClr val="bg2">
                     <a:lumMod val="75000"/>
@@ -4468,7 +4446,7 @@
               <a:t>Mô</a:t>
             </a:r>
             <a:r>
-              <a:rPr lang="en-US" sz="3200" i="1" dirty="0" smtClean="0">
+              <a:rPr lang="en-US" sz="4800" i="1" dirty="0" smtClean="0">
                 <a:solidFill>
                   <a:schemeClr val="bg2">
                     <a:lumMod val="75000"/>
@@ -4479,7 +4457,7 @@
               <a:t> </a:t>
             </a:r>
             <a:r>
-              <a:rPr lang="en-US" sz="3200" i="1" dirty="0" err="1" smtClean="0">
+              <a:rPr lang="en-US" sz="4800" i="1" dirty="0" err="1" smtClean="0">
                 <a:solidFill>
                   <a:schemeClr val="bg2">
                     <a:lumMod val="75000"/>
@@ -4490,7 +4468,7 @@
               <a:t>hình</a:t>
             </a:r>
             <a:r>
-              <a:rPr lang="en-US" sz="3200" i="1" dirty="0" smtClean="0">
+              <a:rPr lang="en-US" sz="4800" i="1" dirty="0" smtClean="0">
                 <a:solidFill>
                   <a:schemeClr val="bg2">
                     <a:lumMod val="75000"/>
@@ -4501,7 +4479,7 @@
               <a:t> </a:t>
             </a:r>
             <a:r>
-              <a:rPr lang="en-US" sz="3200" i="1" dirty="0" err="1" smtClean="0">
+              <a:rPr lang="en-US" sz="4800" i="1" dirty="0" err="1" smtClean="0">
                 <a:solidFill>
                   <a:schemeClr val="bg2">
                     <a:lumMod val="75000"/>
@@ -4512,7 +4490,7 @@
               <a:t>chung</a:t>
             </a:r>
             <a:r>
-              <a:rPr lang="en-US" sz="3200" i="1" dirty="0" smtClean="0">
+              <a:rPr lang="en-US" sz="4800" i="1" dirty="0" smtClean="0">
                 <a:solidFill>
                   <a:schemeClr val="bg2">
                     <a:lumMod val="75000"/>
@@ -4523,7 +4501,7 @@
               <a:t> </a:t>
             </a:r>
             <a:r>
-              <a:rPr lang="en-US" sz="3200" i="1" dirty="0" err="1" smtClean="0">
+              <a:rPr lang="en-US" sz="4800" i="1" dirty="0" err="1" smtClean="0">
                 <a:solidFill>
                   <a:schemeClr val="bg2">
                     <a:lumMod val="75000"/>
@@ -4534,7 +4512,7 @@
               <a:t>cho</a:t>
             </a:r>
             <a:r>
-              <a:rPr lang="en-US" sz="3200" i="1" dirty="0" smtClean="0">
+              <a:rPr lang="en-US" sz="4800" i="1" dirty="0" smtClean="0">
                 <a:solidFill>
                   <a:schemeClr val="bg2">
                     <a:lumMod val="75000"/>
@@ -4545,7 +4523,7 @@
               <a:t> </a:t>
             </a:r>
             <a:r>
-              <a:rPr lang="en-US" sz="3200" i="1" dirty="0" err="1" smtClean="0">
+              <a:rPr lang="en-US" sz="4800" i="1" dirty="0" err="1" smtClean="0">
                 <a:solidFill>
                   <a:schemeClr val="bg2">
                     <a:lumMod val="75000"/>
@@ -4556,7 +4534,7 @@
               <a:t>tầng</a:t>
             </a:r>
             <a:r>
-              <a:rPr lang="en-US" sz="3200" i="1" dirty="0" smtClean="0">
+              <a:rPr lang="en-US" sz="4800" i="1" dirty="0" smtClean="0">
                 <a:solidFill>
                   <a:schemeClr val="bg2">
                     <a:lumMod val="75000"/>
@@ -4567,7 +4545,7 @@
               <a:t> </a:t>
             </a:r>
             <a:r>
-              <a:rPr lang="en-US" sz="3200" i="1" dirty="0" err="1" smtClean="0">
+              <a:rPr lang="en-US" sz="4800" i="1" dirty="0" err="1" smtClean="0">
                 <a:solidFill>
                   <a:schemeClr val="bg2">
                     <a:lumMod val="75000"/>
@@ -4578,7 +4556,7 @@
               <a:t>nghiệp</a:t>
             </a:r>
             <a:r>
-              <a:rPr lang="en-US" sz="3200" i="1" dirty="0" smtClean="0">
+              <a:rPr lang="en-US" sz="4800" i="1" dirty="0" smtClean="0">
                 <a:solidFill>
                   <a:schemeClr val="bg2">
                     <a:lumMod val="75000"/>
@@ -4589,7 +4567,7 @@
               <a:t> </a:t>
             </a:r>
             <a:r>
-              <a:rPr lang="en-US" sz="3200" i="1" dirty="0" err="1" smtClean="0">
+              <a:rPr lang="en-US" sz="4800" i="1" dirty="0" err="1" smtClean="0">
                 <a:solidFill>
                   <a:schemeClr val="bg2">
                     <a:lumMod val="75000"/>
@@ -4599,7 +4577,7 @@
               </a:rPr>
               <a:t>vụ</a:t>
             </a:r>
-            <a:endParaRPr lang="en-US" sz="3200" i="1" dirty="0">
+            <a:endParaRPr lang="en-US" sz="4800" i="1" dirty="0">
               <a:solidFill>
                 <a:schemeClr val="bg2">
                   <a:lumMod val="75000"/>
@@ -4610,60 +4588,6 @@
           </a:p>
         </p:txBody>
       </p:sp>
-      <p:pic>
-        <p:nvPicPr>
-          <p:cNvPr id="10242" name="Picture 2" descr="presenter"/>
-          <p:cNvPicPr>
-            <a:picLocks noChangeAspect="1" noChangeArrowheads="1"/>
-          </p:cNvPicPr>
-          <p:nvPr/>
-        </p:nvPicPr>
-        <p:blipFill>
-          <a:blip r:embed="rId2">
-            <a:extLst>
-              <a:ext uri="{28A0092B-C50C-407E-A947-70E740481C1C}">
-                <a14:useLocalDpi xmlns:a14="http://schemas.microsoft.com/office/drawing/2010/main" xmlns="" val="0"/>
-              </a:ext>
-            </a:extLst>
-          </a:blip>
-          <a:srcRect/>
-          <a:stretch>
-            <a:fillRect/>
-          </a:stretch>
-        </p:blipFill>
-        <p:spPr bwMode="auto">
-          <a:xfrm>
-            <a:off x="3262819" y="774023"/>
-            <a:ext cx="5383461" cy="5837488"/>
-          </a:xfrm>
-          <a:prstGeom prst="rect">
-            <a:avLst/>
-          </a:prstGeom>
-          <a:noFill/>
-          <a:ln>
-            <a:noFill/>
-          </a:ln>
-          <a:extLst>
-            <a:ext uri="{909E8E84-426E-40DD-AFC4-6F175D3DCCD1}">
-              <a14:hiddenFill xmlns:a14="http://schemas.microsoft.com/office/drawing/2010/main" xmlns="">
-                <a:solidFill>
-                  <a:srgbClr val="FFFFFF"/>
-                </a:solidFill>
-              </a14:hiddenFill>
-            </a:ext>
-            <a:ext uri="{91240B29-F687-4F45-9708-019B960494DF}">
-              <a14:hiddenLine xmlns:a14="http://schemas.microsoft.com/office/drawing/2010/main" xmlns="" w="9525">
-                <a:solidFill>
-                  <a:srgbClr val="000000"/>
-                </a:solidFill>
-                <a:miter lim="800000"/>
-                <a:headEnd/>
-                <a:tailEnd/>
-              </a14:hiddenLine>
-            </a:ext>
-          </a:extLst>
-        </p:spPr>
-      </p:pic>
       <p:sp>
         <p:nvSpPr>
           <p:cNvPr id="5" name="Rectangle 4"/>
@@ -4712,6 +4636,30 @@
           </a:p>
         </p:txBody>
       </p:sp>
+      <p:pic>
+        <p:nvPicPr>
+          <p:cNvPr id="6" name="Picture 5" descr="presenter.png"/>
+          <p:cNvPicPr>
+            <a:picLocks noChangeAspect="1"/>
+          </p:cNvPicPr>
+          <p:nvPr/>
+        </p:nvPicPr>
+        <p:blipFill>
+          <a:blip r:embed="rId2"/>
+          <a:stretch>
+            <a:fillRect/>
+          </a:stretch>
+        </p:blipFill>
+        <p:spPr>
+          <a:xfrm>
+            <a:off x="1248830" y="1696802"/>
+            <a:ext cx="9813661" cy="4335698"/>
+          </a:xfrm>
+          <a:prstGeom prst="rect">
+            <a:avLst/>
+          </a:prstGeom>
+        </p:spPr>
+      </p:pic>
     </p:spTree>
     <p:extLst>
       <p:ext uri="{BB962C8B-B14F-4D97-AF65-F5344CB8AC3E}">
@@ -4722,6 +4670,13 @@
   <p:clrMapOvr>
     <a:masterClrMapping/>
   </p:clrMapOvr>
+  <p:timing>
+    <p:tnLst>
+      <p:par>
+        <p:cTn id="1" dur="indefinite" restart="never" nodeType="tmRoot"/>
+      </p:par>
+    </p:tnLst>
+  </p:timing>
 </p:sld>
 </file>
 
@@ -4750,8 +4705,8 @@
         </p:nvSpPr>
         <p:spPr>
           <a:xfrm>
-            <a:off x="499028" y="42822"/>
-            <a:ext cx="5808321" cy="584775"/>
+            <a:off x="499028" y="373022"/>
+            <a:ext cx="8559074" cy="830997"/>
           </a:xfrm>
           <a:prstGeom prst="rect">
             <a:avLst/>
@@ -4767,7 +4722,7 @@
               <a:buSzPct val="100000"/>
             </a:pPr>
             <a:r>
-              <a:rPr lang="en-US" sz="3200" i="1" dirty="0" err="1" smtClean="0">
+              <a:rPr lang="en-US" sz="4800" i="1" dirty="0" err="1" smtClean="0">
                 <a:solidFill>
                   <a:schemeClr val="bg2">
                     <a:lumMod val="75000"/>
@@ -4778,7 +4733,7 @@
               <a:t>Mô</a:t>
             </a:r>
             <a:r>
-              <a:rPr lang="en-US" sz="3200" i="1" dirty="0" smtClean="0">
+              <a:rPr lang="en-US" sz="4800" i="1" dirty="0" smtClean="0">
                 <a:solidFill>
                   <a:schemeClr val="bg2">
                     <a:lumMod val="75000"/>
@@ -4789,7 +4744,7 @@
               <a:t> </a:t>
             </a:r>
             <a:r>
-              <a:rPr lang="en-US" sz="3200" i="1" dirty="0" err="1" smtClean="0">
+              <a:rPr lang="en-US" sz="4800" i="1" dirty="0" err="1" smtClean="0">
                 <a:solidFill>
                   <a:schemeClr val="bg2">
                     <a:lumMod val="75000"/>
@@ -4800,7 +4755,7 @@
               <a:t>hình</a:t>
             </a:r>
             <a:r>
-              <a:rPr lang="en-US" sz="3200" i="1" dirty="0" smtClean="0">
+              <a:rPr lang="en-US" sz="4800" i="1" dirty="0" smtClean="0">
                 <a:solidFill>
                   <a:schemeClr val="bg2">
                     <a:lumMod val="75000"/>
@@ -4811,7 +4766,7 @@
               <a:t> </a:t>
             </a:r>
             <a:r>
-              <a:rPr lang="en-US" sz="3200" i="1" dirty="0" err="1" smtClean="0">
+              <a:rPr lang="en-US" sz="4800" i="1" dirty="0" err="1" smtClean="0">
                 <a:solidFill>
                   <a:schemeClr val="bg2">
                     <a:lumMod val="75000"/>
@@ -4822,7 +4777,7 @@
               <a:t>chung</a:t>
             </a:r>
             <a:r>
-              <a:rPr lang="en-US" sz="3200" i="1" dirty="0" smtClean="0">
+              <a:rPr lang="en-US" sz="4800" i="1" dirty="0" smtClean="0">
                 <a:solidFill>
                   <a:schemeClr val="bg2">
                     <a:lumMod val="75000"/>
@@ -4833,7 +4788,7 @@
               <a:t> </a:t>
             </a:r>
             <a:r>
-              <a:rPr lang="en-US" sz="3200" i="1" dirty="0" err="1" smtClean="0">
+              <a:rPr lang="en-US" sz="4800" i="1" dirty="0" err="1" smtClean="0">
                 <a:solidFill>
                   <a:schemeClr val="bg2">
                     <a:lumMod val="75000"/>
@@ -4844,7 +4799,7 @@
               <a:t>cho</a:t>
             </a:r>
             <a:r>
-              <a:rPr lang="en-US" sz="3200" i="1" dirty="0" smtClean="0">
+              <a:rPr lang="en-US" sz="4800" i="1" dirty="0" smtClean="0">
                 <a:solidFill>
                   <a:schemeClr val="bg2">
                     <a:lumMod val="75000"/>
@@ -4855,7 +4810,7 @@
               <a:t> </a:t>
             </a:r>
             <a:r>
-              <a:rPr lang="en-US" sz="3200" i="1" dirty="0" err="1" smtClean="0">
+              <a:rPr lang="en-US" sz="4800" i="1" dirty="0" err="1" smtClean="0">
                 <a:solidFill>
                   <a:schemeClr val="bg2">
                     <a:lumMod val="75000"/>
@@ -4866,7 +4821,7 @@
               <a:t>tầng</a:t>
             </a:r>
             <a:r>
-              <a:rPr lang="en-US" sz="3200" i="1" dirty="0" smtClean="0">
+              <a:rPr lang="en-US" sz="4800" i="1" dirty="0" smtClean="0">
                 <a:solidFill>
                   <a:schemeClr val="bg2">
                     <a:lumMod val="75000"/>
@@ -4877,7 +4832,7 @@
               <a:t> </a:t>
             </a:r>
             <a:r>
-              <a:rPr lang="en-US" sz="3200" i="1" dirty="0" err="1" smtClean="0">
+              <a:rPr lang="en-US" sz="4800" i="1" dirty="0" err="1" smtClean="0">
                 <a:solidFill>
                   <a:schemeClr val="bg2">
                     <a:lumMod val="75000"/>
@@ -4888,7 +4843,7 @@
               <a:t>giao</a:t>
             </a:r>
             <a:r>
-              <a:rPr lang="en-US" sz="3200" i="1" dirty="0" smtClean="0">
+              <a:rPr lang="en-US" sz="4800" i="1" dirty="0" smtClean="0">
                 <a:solidFill>
                   <a:schemeClr val="bg2">
                     <a:lumMod val="75000"/>
@@ -4899,7 +4854,7 @@
               <a:t> </a:t>
             </a:r>
             <a:r>
-              <a:rPr lang="en-US" sz="3200" i="1" dirty="0" err="1" smtClean="0">
+              <a:rPr lang="en-US" sz="4800" i="1" dirty="0" err="1" smtClean="0">
                 <a:solidFill>
                   <a:schemeClr val="bg2">
                     <a:lumMod val="75000"/>
@@ -4909,7 +4864,7 @@
               </a:rPr>
               <a:t>diện</a:t>
             </a:r>
-            <a:endParaRPr lang="en-US" sz="3200" i="1" dirty="0">
+            <a:endParaRPr lang="en-US" sz="4800" i="1" dirty="0">
               <a:solidFill>
                 <a:schemeClr val="bg2">
                   <a:lumMod val="75000"/>
@@ -4920,60 +4875,6 @@
           </a:p>
         </p:txBody>
       </p:sp>
-      <p:pic>
-        <p:nvPicPr>
-          <p:cNvPr id="11266" name="Picture 2" descr="view"/>
-          <p:cNvPicPr>
-            <a:picLocks noChangeAspect="1" noChangeArrowheads="1"/>
-          </p:cNvPicPr>
-          <p:nvPr/>
-        </p:nvPicPr>
-        <p:blipFill>
-          <a:blip r:embed="rId2">
-            <a:extLst>
-              <a:ext uri="{28A0092B-C50C-407E-A947-70E740481C1C}">
-                <a14:useLocalDpi xmlns:a14="http://schemas.microsoft.com/office/drawing/2010/main" xmlns="" val="0"/>
-              </a:ext>
-            </a:extLst>
-          </a:blip>
-          <a:srcRect/>
-          <a:stretch>
-            <a:fillRect/>
-          </a:stretch>
-        </p:blipFill>
-        <p:spPr bwMode="auto">
-          <a:xfrm>
-            <a:off x="1652736" y="627597"/>
-            <a:ext cx="9080221" cy="5893124"/>
-          </a:xfrm>
-          <a:prstGeom prst="rect">
-            <a:avLst/>
-          </a:prstGeom>
-          <a:noFill/>
-          <a:ln>
-            <a:noFill/>
-          </a:ln>
-          <a:extLst>
-            <a:ext uri="{909E8E84-426E-40DD-AFC4-6F175D3DCCD1}">
-              <a14:hiddenFill xmlns:a14="http://schemas.microsoft.com/office/drawing/2010/main" xmlns="">
-                <a:solidFill>
-                  <a:srgbClr val="FFFFFF"/>
-                </a:solidFill>
-              </a14:hiddenFill>
-            </a:ext>
-            <a:ext uri="{91240B29-F687-4F45-9708-019B960494DF}">
-              <a14:hiddenLine xmlns:a14="http://schemas.microsoft.com/office/drawing/2010/main" xmlns="" w="9525">
-                <a:solidFill>
-                  <a:srgbClr val="000000"/>
-                </a:solidFill>
-                <a:miter lim="800000"/>
-                <a:headEnd/>
-                <a:tailEnd/>
-              </a14:hiddenLine>
-            </a:ext>
-          </a:extLst>
-        </p:spPr>
-      </p:pic>
       <p:sp>
         <p:nvSpPr>
           <p:cNvPr id="5" name="Rectangle 4"/>
@@ -5022,6 +4923,38 @@
           </a:p>
         </p:txBody>
       </p:sp>
+      <p:pic>
+        <p:nvPicPr>
+          <p:cNvPr id="3074" name="Picture 2"/>
+          <p:cNvPicPr>
+            <a:picLocks noChangeAspect="1" noChangeArrowheads="1"/>
+          </p:cNvPicPr>
+          <p:nvPr/>
+        </p:nvPicPr>
+        <p:blipFill>
+          <a:blip r:embed="rId2"/>
+          <a:srcRect/>
+          <a:stretch>
+            <a:fillRect/>
+          </a:stretch>
+        </p:blipFill>
+        <p:spPr bwMode="auto">
+          <a:xfrm>
+            <a:off x="1290638" y="1695450"/>
+            <a:ext cx="9530894" cy="4667250"/>
+          </a:xfrm>
+          <a:prstGeom prst="rect">
+            <a:avLst/>
+          </a:prstGeom>
+          <a:noFill/>
+          <a:ln w="9525">
+            <a:noFill/>
+            <a:miter lim="800000"/>
+            <a:headEnd/>
+            <a:tailEnd/>
+          </a:ln>
+        </p:spPr>
+      </p:pic>
     </p:spTree>
     <p:extLst>
       <p:ext uri="{BB962C8B-B14F-4D97-AF65-F5344CB8AC3E}">
@@ -5032,6 +4965,13 @@
   <p:clrMapOvr>
     <a:masterClrMapping/>
   </p:clrMapOvr>
+  <p:timing>
+    <p:tnLst>
+      <p:par>
+        <p:cTn id="1" dur="indefinite" restart="never" nodeType="tmRoot"/>
+      </p:par>
+    </p:tnLst>
+  </p:timing>
 </p:sld>
 </file>
 
@@ -5052,6 +4992,38 @@
           <a:chExt cx="0" cy="0"/>
         </a:xfrm>
       </p:grpSpPr>
+      <p:pic>
+        <p:nvPicPr>
+          <p:cNvPr id="4101" name="Picture 5"/>
+          <p:cNvPicPr>
+            <a:picLocks noChangeAspect="1" noChangeArrowheads="1"/>
+          </p:cNvPicPr>
+          <p:nvPr/>
+        </p:nvPicPr>
+        <p:blipFill>
+          <a:blip r:embed="rId2"/>
+          <a:srcRect/>
+          <a:stretch>
+            <a:fillRect/>
+          </a:stretch>
+        </p:blipFill>
+        <p:spPr bwMode="auto">
+          <a:xfrm>
+            <a:off x="1671638" y="347663"/>
+            <a:ext cx="9534525" cy="6391275"/>
+          </a:xfrm>
+          <a:prstGeom prst="rect">
+            <a:avLst/>
+          </a:prstGeom>
+          <a:noFill/>
+          <a:ln w="9525">
+            <a:noFill/>
+            <a:miter lim="800000"/>
+            <a:headEnd/>
+            <a:tailEnd/>
+          </a:ln>
+        </p:spPr>
+      </p:pic>
       <p:sp>
         <p:nvSpPr>
           <p:cNvPr id="4" name="Rectangle 3"/>
@@ -5060,8 +5032,8 @@
         </p:nvSpPr>
         <p:spPr>
           <a:xfrm>
-            <a:off x="464243" y="181529"/>
-            <a:ext cx="5127045" cy="584775"/>
+            <a:off x="464243" y="397429"/>
+            <a:ext cx="7546746" cy="830997"/>
           </a:xfrm>
           <a:prstGeom prst="rect">
             <a:avLst/>
@@ -5077,7 +5049,7 @@
               <a:buSzPct val="100000"/>
             </a:pPr>
             <a:r>
-              <a:rPr lang="en-US" sz="3200" i="1" dirty="0" err="1" smtClean="0">
+              <a:rPr lang="en-US" sz="4800" i="1" dirty="0" err="1" smtClean="0">
                 <a:solidFill>
                   <a:schemeClr val="bg2">
                     <a:lumMod val="75000"/>
@@ -5088,7 +5060,7 @@
               <a:t>Các</a:t>
             </a:r>
             <a:r>
-              <a:rPr lang="en-US" sz="3200" i="1" dirty="0" smtClean="0">
+              <a:rPr lang="en-US" sz="4800" i="1" dirty="0" smtClean="0">
                 <a:solidFill>
                   <a:schemeClr val="bg2">
                     <a:lumMod val="75000"/>
@@ -5099,7 +5071,7 @@
               <a:t> </a:t>
             </a:r>
             <a:r>
-              <a:rPr lang="en-US" sz="3200" i="1" dirty="0" err="1" smtClean="0">
+              <a:rPr lang="en-US" sz="4800" i="1" dirty="0" err="1" smtClean="0">
                 <a:solidFill>
                   <a:schemeClr val="bg2">
                     <a:lumMod val="75000"/>
@@ -5110,7 +5082,7 @@
               <a:t>lớp</a:t>
             </a:r>
             <a:r>
-              <a:rPr lang="en-US" sz="3200" i="1" dirty="0" smtClean="0">
+              <a:rPr lang="en-US" sz="4800" i="1" dirty="0" smtClean="0">
                 <a:solidFill>
                   <a:schemeClr val="bg2">
                     <a:lumMod val="75000"/>
@@ -5121,7 +5093,7 @@
               <a:t> </a:t>
             </a:r>
             <a:r>
-              <a:rPr lang="en-US" sz="3200" i="1" dirty="0" err="1" smtClean="0">
+              <a:rPr lang="en-US" sz="4800" i="1" dirty="0" err="1" smtClean="0">
                 <a:solidFill>
                   <a:schemeClr val="bg2">
                     <a:lumMod val="75000"/>
@@ -5132,7 +5104,7 @@
               <a:t>chính</a:t>
             </a:r>
             <a:r>
-              <a:rPr lang="en-US" sz="3200" i="1" dirty="0" smtClean="0">
+              <a:rPr lang="en-US" sz="4800" i="1" dirty="0" smtClean="0">
                 <a:solidFill>
                   <a:schemeClr val="bg2">
                     <a:lumMod val="75000"/>
@@ -5143,7 +5115,7 @@
               <a:t> </a:t>
             </a:r>
             <a:r>
-              <a:rPr lang="en-US" sz="3200" i="1" dirty="0" err="1" smtClean="0">
+              <a:rPr lang="en-US" sz="4800" i="1" dirty="0" err="1" smtClean="0">
                 <a:solidFill>
                   <a:schemeClr val="bg2">
                     <a:lumMod val="75000"/>
@@ -5154,7 +5126,7 @@
               <a:t>trong</a:t>
             </a:r>
             <a:r>
-              <a:rPr lang="en-US" sz="3200" i="1" dirty="0" smtClean="0">
+              <a:rPr lang="en-US" sz="4800" i="1" dirty="0" smtClean="0">
                 <a:solidFill>
                   <a:schemeClr val="bg2">
                     <a:lumMod val="75000"/>
@@ -5162,9 +5134,31 @@
                 </a:solidFill>
                 <a:ea typeface="ＭＳ Ｐゴシック" panose="020B0600070205080204" pitchFamily="34" charset="-128"/>
               </a:rPr>
-              <a:t> UC Login:</a:t>
-            </a:r>
-            <a:endParaRPr lang="en-US" sz="3200" i="1" dirty="0">
+              <a:t> </a:t>
+            </a:r>
+            <a:r>
+              <a:rPr lang="en-US" sz="4800" i="1" smtClean="0">
+                <a:solidFill>
+                  <a:schemeClr val="bg2">
+                    <a:lumMod val="75000"/>
+                  </a:schemeClr>
+                </a:solidFill>
+                <a:ea typeface="ＭＳ Ｐゴシック" panose="020B0600070205080204" pitchFamily="34" charset="-128"/>
+              </a:rPr>
+              <a:t>UC </a:t>
+            </a:r>
+            <a:r>
+              <a:rPr lang="en-US" sz="4800" i="1" smtClean="0">
+                <a:solidFill>
+                  <a:schemeClr val="bg2">
+                    <a:lumMod val="75000"/>
+                  </a:schemeClr>
+                </a:solidFill>
+                <a:ea typeface="ＭＳ Ｐゴシック" panose="020B0600070205080204" pitchFamily="34" charset="-128"/>
+              </a:rPr>
+              <a:t>Login</a:t>
+            </a:r>
+            <a:endParaRPr lang="en-US" sz="4800" i="1" dirty="0">
               <a:solidFill>
                 <a:schemeClr val="bg2">
                   <a:lumMod val="75000"/>
@@ -5175,60 +5169,6 @@
           </a:p>
         </p:txBody>
       </p:sp>
-      <p:pic>
-        <p:nvPicPr>
-          <p:cNvPr id="1026" name="Picture 2" descr="UC1"/>
-          <p:cNvPicPr>
-            <a:picLocks noChangeAspect="1" noChangeArrowheads="1"/>
-          </p:cNvPicPr>
-          <p:nvPr/>
-        </p:nvPicPr>
-        <p:blipFill>
-          <a:blip r:embed="rId2">
-            <a:extLst>
-              <a:ext uri="{28A0092B-C50C-407E-A947-70E740481C1C}">
-                <a14:useLocalDpi xmlns:a14="http://schemas.microsoft.com/office/drawing/2010/main" xmlns="" val="0"/>
-              </a:ext>
-            </a:extLst>
-          </a:blip>
-          <a:srcRect/>
-          <a:stretch>
-            <a:fillRect/>
-          </a:stretch>
-        </p:blipFill>
-        <p:spPr bwMode="auto">
-          <a:xfrm>
-            <a:off x="2225040" y="932881"/>
-            <a:ext cx="7711440" cy="5336725"/>
-          </a:xfrm>
-          <a:prstGeom prst="rect">
-            <a:avLst/>
-          </a:prstGeom>
-          <a:noFill/>
-          <a:ln>
-            <a:noFill/>
-          </a:ln>
-          <a:extLst>
-            <a:ext uri="{909E8E84-426E-40DD-AFC4-6F175D3DCCD1}">
-              <a14:hiddenFill xmlns:a14="http://schemas.microsoft.com/office/drawing/2010/main" xmlns="">
-                <a:solidFill>
-                  <a:srgbClr val="FFFFFF"/>
-                </a:solidFill>
-              </a14:hiddenFill>
-            </a:ext>
-            <a:ext uri="{91240B29-F687-4F45-9708-019B960494DF}">
-              <a14:hiddenLine xmlns:a14="http://schemas.microsoft.com/office/drawing/2010/main" xmlns="" w="9525">
-                <a:solidFill>
-                  <a:srgbClr val="000000"/>
-                </a:solidFill>
-                <a:miter lim="800000"/>
-                <a:headEnd/>
-                <a:tailEnd/>
-              </a14:hiddenLine>
-            </a:ext>
-          </a:extLst>
-        </p:spPr>
-      </p:pic>
       <p:sp>
         <p:nvSpPr>
           <p:cNvPr id="5" name="Rectangle 4"/>
@@ -6862,8 +6802,8 @@
         </p:nvSpPr>
         <p:spPr>
           <a:xfrm>
-            <a:off x="469999" y="61261"/>
-            <a:ext cx="2714526" cy="584775"/>
+            <a:off x="469999" y="442261"/>
+            <a:ext cx="3919984" cy="830997"/>
           </a:xfrm>
           <a:prstGeom prst="rect">
             <a:avLst/>
@@ -6879,7 +6819,7 @@
               <a:buSzPct val="100000"/>
             </a:pPr>
             <a:r>
-              <a:rPr lang="en-US" sz="3200" i="1" dirty="0" err="1" smtClean="0">
+              <a:rPr lang="en-US" sz="4800" i="1" dirty="0" err="1" smtClean="0">
                 <a:solidFill>
                   <a:schemeClr val="bg2">
                     <a:lumMod val="75000"/>
@@ -6890,7 +6830,7 @@
               <a:t>Dữ</a:t>
             </a:r>
             <a:r>
-              <a:rPr lang="en-US" sz="3200" i="1" dirty="0" smtClean="0">
+              <a:rPr lang="en-US" sz="4800" i="1" dirty="0" smtClean="0">
                 <a:solidFill>
                   <a:schemeClr val="bg2">
                     <a:lumMod val="75000"/>
@@ -6901,7 +6841,7 @@
               <a:t> </a:t>
             </a:r>
             <a:r>
-              <a:rPr lang="en-US" sz="3200" i="1" dirty="0" err="1" smtClean="0">
+              <a:rPr lang="en-US" sz="4800" i="1" dirty="0" err="1" smtClean="0">
                 <a:solidFill>
                   <a:schemeClr val="bg2">
                     <a:lumMod val="75000"/>
@@ -6912,7 +6852,7 @@
               <a:t>liệu</a:t>
             </a:r>
             <a:r>
-              <a:rPr lang="en-US" sz="3200" i="1" dirty="0" smtClean="0">
+              <a:rPr lang="en-US" sz="4800" i="1" dirty="0" smtClean="0">
                 <a:solidFill>
                   <a:schemeClr val="bg2">
                     <a:lumMod val="75000"/>
@@ -6923,7 +6863,7 @@
               <a:t> </a:t>
             </a:r>
             <a:r>
-              <a:rPr lang="en-US" sz="3200" i="1" dirty="0" err="1" smtClean="0">
+              <a:rPr lang="en-US" sz="4800" i="1" dirty="0" err="1" smtClean="0">
                 <a:solidFill>
                   <a:schemeClr val="bg2">
                     <a:lumMod val="75000"/>
@@ -6934,7 +6874,7 @@
               <a:t>bài</a:t>
             </a:r>
             <a:r>
-              <a:rPr lang="en-US" sz="3200" i="1" dirty="0" smtClean="0">
+              <a:rPr lang="en-US" sz="4800" i="1" dirty="0" smtClean="0">
                 <a:solidFill>
                   <a:schemeClr val="bg2">
                     <a:lumMod val="75000"/>
@@ -6945,7 +6885,7 @@
               <a:t> </a:t>
             </a:r>
             <a:r>
-              <a:rPr lang="en-US" sz="3200" i="1" dirty="0" err="1" smtClean="0">
+              <a:rPr lang="en-US" sz="4800" i="1" dirty="0" err="1" smtClean="0">
                 <a:solidFill>
                   <a:schemeClr val="bg2">
                     <a:lumMod val="75000"/>
@@ -6955,7 +6895,7 @@
               </a:rPr>
               <a:t>đọc</a:t>
             </a:r>
-            <a:endParaRPr lang="en-US" sz="3200" i="1" dirty="0">
+            <a:endParaRPr lang="en-US" sz="4800" i="1" dirty="0">
               <a:solidFill>
                 <a:schemeClr val="bg2">
                   <a:lumMod val="75000"/>
@@ -6966,60 +6906,6 @@
           </a:p>
         </p:txBody>
       </p:sp>
-      <p:pic>
-        <p:nvPicPr>
-          <p:cNvPr id="7170" name="Picture 2" descr="article"/>
-          <p:cNvPicPr>
-            <a:picLocks noChangeAspect="1" noChangeArrowheads="1"/>
-          </p:cNvPicPr>
-          <p:nvPr/>
-        </p:nvPicPr>
-        <p:blipFill>
-          <a:blip r:embed="rId2">
-            <a:extLst>
-              <a:ext uri="{28A0092B-C50C-407E-A947-70E740481C1C}">
-                <a14:useLocalDpi xmlns:a14="http://schemas.microsoft.com/office/drawing/2010/main" xmlns="" val="0"/>
-              </a:ext>
-            </a:extLst>
-          </a:blip>
-          <a:srcRect/>
-          <a:stretch>
-            <a:fillRect/>
-          </a:stretch>
-        </p:blipFill>
-        <p:spPr bwMode="auto">
-          <a:xfrm>
-            <a:off x="1586346" y="622344"/>
-            <a:ext cx="9157855" cy="5977581"/>
-          </a:xfrm>
-          <a:prstGeom prst="rect">
-            <a:avLst/>
-          </a:prstGeom>
-          <a:noFill/>
-          <a:ln>
-            <a:noFill/>
-          </a:ln>
-          <a:extLst>
-            <a:ext uri="{909E8E84-426E-40DD-AFC4-6F175D3DCCD1}">
-              <a14:hiddenFill xmlns:a14="http://schemas.microsoft.com/office/drawing/2010/main" xmlns="">
-                <a:solidFill>
-                  <a:srgbClr val="FFFFFF"/>
-                </a:solidFill>
-              </a14:hiddenFill>
-            </a:ext>
-            <a:ext uri="{91240B29-F687-4F45-9708-019B960494DF}">
-              <a14:hiddenLine xmlns:a14="http://schemas.microsoft.com/office/drawing/2010/main" xmlns="" w="9525">
-                <a:solidFill>
-                  <a:srgbClr val="000000"/>
-                </a:solidFill>
-                <a:miter lim="800000"/>
-                <a:headEnd/>
-                <a:tailEnd/>
-              </a14:hiddenLine>
-            </a:ext>
-          </a:extLst>
-        </p:spPr>
-      </p:pic>
       <p:sp>
         <p:nvSpPr>
           <p:cNvPr id="4" name="Rectangle 3"/>
@@ -7068,6 +6954,38 @@
           </a:p>
         </p:txBody>
       </p:sp>
+      <p:pic>
+        <p:nvPicPr>
+          <p:cNvPr id="5122" name="Picture 2"/>
+          <p:cNvPicPr>
+            <a:picLocks noChangeAspect="1" noChangeArrowheads="1"/>
+          </p:cNvPicPr>
+          <p:nvPr/>
+        </p:nvPicPr>
+        <p:blipFill>
+          <a:blip r:embed="rId2"/>
+          <a:srcRect/>
+          <a:stretch>
+            <a:fillRect/>
+          </a:stretch>
+        </p:blipFill>
+        <p:spPr bwMode="auto">
+          <a:xfrm>
+            <a:off x="2260600" y="1279525"/>
+            <a:ext cx="7645400" cy="5031348"/>
+          </a:xfrm>
+          <a:prstGeom prst="rect">
+            <a:avLst/>
+          </a:prstGeom>
+          <a:noFill/>
+          <a:ln w="9525">
+            <a:noFill/>
+            <a:miter lim="800000"/>
+            <a:headEnd/>
+            <a:tailEnd/>
+          </a:ln>
+        </p:spPr>
+      </p:pic>
     </p:spTree>
     <p:extLst>
       <p:ext uri="{BB962C8B-B14F-4D97-AF65-F5344CB8AC3E}">
@@ -7770,8 +7688,8 @@
         </p:nvSpPr>
         <p:spPr>
           <a:xfrm>
-            <a:off x="499028" y="42822"/>
-            <a:ext cx="4913846" cy="584775"/>
+            <a:off x="499028" y="411122"/>
+            <a:ext cx="7225376" cy="830997"/>
           </a:xfrm>
           <a:prstGeom prst="rect">
             <a:avLst/>
@@ -7787,7 +7705,7 @@
               <a:buSzPct val="100000"/>
             </a:pPr>
             <a:r>
-              <a:rPr lang="vi-VN" sz="3200" i="1" smtClean="0">
+              <a:rPr lang="vi-VN" sz="4800" i="1" smtClean="0">
                 <a:solidFill>
                   <a:schemeClr val="bg2">
                     <a:lumMod val="75000"/>
@@ -7797,7 +7715,7 @@
               </a:rPr>
               <a:t>Kiến trúc chương trình</a:t>
             </a:r>
-            <a:endParaRPr lang="en-US" sz="3200" i="1" dirty="0">
+            <a:endParaRPr lang="en-US" sz="4800" i="1" dirty="0">
               <a:solidFill>
                 <a:schemeClr val="bg2">
                   <a:lumMod val="75000"/>
@@ -7816,7 +7734,7 @@
         </p:nvSpPr>
         <p:spPr>
           <a:xfrm>
-            <a:off x="1542828" y="548612"/>
+            <a:off x="666528" y="1932912"/>
             <a:ext cx="6198043" cy="461665"/>
           </a:xfrm>
           <a:prstGeom prst="rect">
@@ -7987,20 +7905,14 @@
       </p:sp>
       <p:pic>
         <p:nvPicPr>
-          <p:cNvPr id="8194" name="Picture 2" descr="Drawing1"/>
+          <p:cNvPr id="6146" name="Picture 2"/>
           <p:cNvPicPr>
             <a:picLocks noChangeAspect="1" noChangeArrowheads="1"/>
           </p:cNvPicPr>
           <p:nvPr/>
         </p:nvPicPr>
         <p:blipFill>
-          <a:blip r:embed="rId2">
-            <a:extLst>
-              <a:ext uri="{28A0092B-C50C-407E-A947-70E740481C1C}">
-                <a14:useLocalDpi xmlns:a14="http://schemas.microsoft.com/office/drawing/2010/main" xmlns="" val="0"/>
-              </a:ext>
-            </a:extLst>
-          </a:blip>
+          <a:blip r:embed="rId2"/>
           <a:srcRect/>
           <a:stretch>
             <a:fillRect/>
@@ -8008,35 +7920,19 @@
         </p:blipFill>
         <p:spPr bwMode="auto">
           <a:xfrm>
-            <a:off x="717406" y="1107259"/>
-            <a:ext cx="10761262" cy="5362814"/>
+            <a:off x="608013" y="2638424"/>
+            <a:ext cx="10812592" cy="3279775"/>
           </a:xfrm>
           <a:prstGeom prst="rect">
             <a:avLst/>
           </a:prstGeom>
           <a:noFill/>
-          <a:ln>
+          <a:ln w="9525">
             <a:noFill/>
+            <a:miter lim="800000"/>
+            <a:headEnd/>
+            <a:tailEnd/>
           </a:ln>
-          <a:extLst>
-            <a:ext uri="{909E8E84-426E-40DD-AFC4-6F175D3DCCD1}">
-              <a14:hiddenFill xmlns:a14="http://schemas.microsoft.com/office/drawing/2010/main" xmlns="">
-                <a:solidFill>
-                  <a:srgbClr val="FFFFFF"/>
-                </a:solidFill>
-              </a14:hiddenFill>
-            </a:ext>
-            <a:ext uri="{91240B29-F687-4F45-9708-019B960494DF}">
-              <a14:hiddenLine xmlns:a14="http://schemas.microsoft.com/office/drawing/2010/main" xmlns="" w="9525">
-                <a:solidFill>
-                  <a:srgbClr val="000000"/>
-                </a:solidFill>
-                <a:miter lim="800000"/>
-                <a:headEnd/>
-                <a:tailEnd/>
-              </a14:hiddenLine>
-            </a:ext>
-          </a:extLst>
         </p:spPr>
       </p:pic>
     </p:spTree>

--- a/documents/SlidebaocaoOOT.pptx
+++ b/documents/SlidebaocaoOOT.pptx
@@ -13247,7 +13247,7 @@
         <p:spPr>
           <a:xfrm>
             <a:off x="526828" y="2123412"/>
-            <a:ext cx="11207972" cy="2123658"/>
+            <a:ext cx="11207972" cy="3108543"/>
           </a:xfrm>
           <a:prstGeom prst="rect">
             <a:avLst/>
@@ -13301,7 +13301,41 @@
                 </a:solidFill>
                 <a:ea typeface="ＭＳ Ｐゴシック" panose="020B0600070205080204" pitchFamily="34" charset="-128"/>
               </a:rPr>
-              <a:t> Nghĩa của từ không chắc chắn chính xác, còn nhiều từ không tra được nghĩa</a:t>
+              <a:t> Nghĩa của từ không chắc chắn chính xác, còn nhiều từ không tra được </a:t>
+            </a:r>
+            <a:r>
+              <a:rPr lang="vi-VN" sz="3200" smtClean="0">
+                <a:solidFill>
+                  <a:srgbClr val="136D38"/>
+                </a:solidFill>
+                <a:ea typeface="ＭＳ Ｐゴシック" panose="020B0600070205080204" pitchFamily="34" charset="-128"/>
+              </a:rPr>
+              <a:t>nghĩa</a:t>
+            </a:r>
+          </a:p>
+          <a:p>
+            <a:pPr marL="109538">
+              <a:buSzPct val="100000"/>
+              <a:buFont typeface="Arial" pitchFamily="34" charset="0"/>
+              <a:buChar char="•"/>
+            </a:pPr>
+            <a:r>
+              <a:rPr lang="vi-VN" sz="3200" smtClean="0">
+                <a:solidFill>
+                  <a:srgbClr val="136D38"/>
+                </a:solidFill>
+                <a:ea typeface="ＭＳ Ｐゴシック" panose="020B0600070205080204" pitchFamily="34" charset="-128"/>
+              </a:rPr>
+              <a:t> </a:t>
+            </a:r>
+            <a:r>
+              <a:rPr lang="vi-VN" sz="3200" smtClean="0">
+                <a:solidFill>
+                  <a:srgbClr val="136D38"/>
+                </a:solidFill>
+                <a:ea typeface="ＭＳ Ｐゴシック" panose="020B0600070205080204" pitchFamily="34" charset="-128"/>
+              </a:rPr>
+              <a:t>Thiết kế chương trình chưa đạt được tất cả các tiêu chí</a:t>
             </a:r>
             <a:endParaRPr lang="en-US" sz="3200" dirty="0">
               <a:solidFill>
